--- a/new/zh-CN/new.pptx
+++ b/new/zh-CN/new.pptx
@@ -1,14 +1,14 @@
 
 <file path=ppt/presentation.xml><?xml version="1.0" encoding="utf-8"?>
-<p:presentation xmlns:a="http://schemas.openxmlformats.org/drawingml/2006/main" xmlns:r="http://schemas.openxmlformats.org/officeDocument/2006/relationships" xmlns:p="http://schemas.openxmlformats.org/presentationml/2006/main" saveSubsetFonts="1">
+<p:presentation xmlns:a="http://schemas.openxmlformats.org/drawingml/2006/main" xmlns:r="http://schemas.openxmlformats.org/officeDocument/2006/relationships" xmlns:p="http://schemas.openxmlformats.org/presentationml/2006/main" xmlns:m="http://schemas.openxmlformats.org/officeDocument/2006/math" xmlns:w="http://schemas.openxmlformats.org/wordprocessingml/2006/main" saveSubsetFonts="1">
   <p:sldMasterIdLst>
-    <p:sldMasterId id="2147483672" r:id="rId1"/>
+    <p:sldMasterId id="2147483648" r:id="rId1"/>
   </p:sldMasterIdLst>
   <p:notesMasterIdLst>
-    <p:notesMasterId r:id="rId3"/>
+    <p:notesMasterId r:id="rId5"/>
   </p:notesMasterIdLst>
   <p:sldIdLst>
-    <p:sldId id="256" r:id="rId2"/>
+    <p:sldId id="256" r:id="rId4"/>
   </p:sldIdLst>
   <p:sldSz cx="12192000" cy="6858000"/>
   <p:notesSz cx="6858000" cy="9144000"/>
@@ -16,8 +16,8 @@
     <a:defPPr>
       <a:defRPr lang="zh-CN"/>
     </a:defPPr>
-    <a:lvl1pPr marL="0" algn="l" defTabSz="914400" rtl="0" eaLnBrk="1" latinLnBrk="0" hangingPunct="1">
-      <a:defRPr sz="1800" kern="1200">
+    <a:lvl1pPr marL="0" algn="l" defTabSz="914400" rtl="0">
+      <a:defRPr sz="1800">
         <a:solidFill>
           <a:schemeClr val="tx1"/>
         </a:solidFill>
@@ -26,8 +26,8 @@
         <a:cs typeface="+mn-cs"/>
       </a:defRPr>
     </a:lvl1pPr>
-    <a:lvl2pPr marL="457200" algn="l" defTabSz="914400" rtl="0" eaLnBrk="1" latinLnBrk="0" hangingPunct="1">
-      <a:defRPr sz="1800" kern="1200">
+    <a:lvl2pPr marL="457200" algn="l" defTabSz="914400" rtl="0">
+      <a:defRPr sz="1800">
         <a:solidFill>
           <a:schemeClr val="tx1"/>
         </a:solidFill>
@@ -36,8 +36,8 @@
         <a:cs typeface="+mn-cs"/>
       </a:defRPr>
     </a:lvl2pPr>
-    <a:lvl3pPr marL="914400" algn="l" defTabSz="914400" rtl="0" eaLnBrk="1" latinLnBrk="0" hangingPunct="1">
-      <a:defRPr sz="1800" kern="1200">
+    <a:lvl3pPr marL="914400" algn="l" defTabSz="914400" rtl="0">
+      <a:defRPr sz="1800">
         <a:solidFill>
           <a:schemeClr val="tx1"/>
         </a:solidFill>
@@ -46,8 +46,8 @@
         <a:cs typeface="+mn-cs"/>
       </a:defRPr>
     </a:lvl3pPr>
-    <a:lvl4pPr marL="1371600" algn="l" defTabSz="914400" rtl="0" eaLnBrk="1" latinLnBrk="0" hangingPunct="1">
-      <a:defRPr sz="1800" kern="1200">
+    <a:lvl4pPr marL="1371600" algn="l" defTabSz="914400" rtl="0">
+      <a:defRPr sz="1800">
         <a:solidFill>
           <a:schemeClr val="tx1"/>
         </a:solidFill>
@@ -56,8 +56,8 @@
         <a:cs typeface="+mn-cs"/>
       </a:defRPr>
     </a:lvl4pPr>
-    <a:lvl5pPr marL="1828800" algn="l" defTabSz="914400" rtl="0" eaLnBrk="1" latinLnBrk="0" hangingPunct="1">
-      <a:defRPr sz="1800" kern="1200">
+    <a:lvl5pPr marL="1828800" algn="l" defTabSz="914400" rtl="0">
+      <a:defRPr sz="1800">
         <a:solidFill>
           <a:schemeClr val="tx1"/>
         </a:solidFill>
@@ -66,8 +66,8 @@
         <a:cs typeface="+mn-cs"/>
       </a:defRPr>
     </a:lvl5pPr>
-    <a:lvl6pPr marL="2286000" algn="l" defTabSz="914400" rtl="0" eaLnBrk="1" latinLnBrk="0" hangingPunct="1">
-      <a:defRPr sz="1800" kern="1200">
+    <a:lvl6pPr marL="2286000" algn="l" defTabSz="914400" rtl="0">
+      <a:defRPr sz="1800">
         <a:solidFill>
           <a:schemeClr val="tx1"/>
         </a:solidFill>
@@ -76,8 +76,8 @@
         <a:cs typeface="+mn-cs"/>
       </a:defRPr>
     </a:lvl6pPr>
-    <a:lvl7pPr marL="2743200" algn="l" defTabSz="914400" rtl="0" eaLnBrk="1" latinLnBrk="0" hangingPunct="1">
-      <a:defRPr sz="1800" kern="1200">
+    <a:lvl7pPr marL="2743200" algn="l" defTabSz="914400" rtl="0">
+      <a:defRPr sz="1800">
         <a:solidFill>
           <a:schemeClr val="tx1"/>
         </a:solidFill>
@@ -86,8 +86,8 @@
         <a:cs typeface="+mn-cs"/>
       </a:defRPr>
     </a:lvl7pPr>
-    <a:lvl8pPr marL="3200400" algn="l" defTabSz="914400" rtl="0" eaLnBrk="1" latinLnBrk="0" hangingPunct="1">
-      <a:defRPr sz="1800" kern="1200">
+    <a:lvl8pPr marL="3200400" algn="l" defTabSz="914400" rtl="0">
+      <a:defRPr sz="1800">
         <a:solidFill>
           <a:schemeClr val="tx1"/>
         </a:solidFill>
@@ -96,8 +96,8 @@
         <a:cs typeface="+mn-cs"/>
       </a:defRPr>
     </a:lvl8pPr>
-    <a:lvl9pPr marL="3657600" algn="l" defTabSz="914400" rtl="0" eaLnBrk="1" latinLnBrk="0" hangingPunct="1">
-      <a:defRPr sz="1800" kern="1200">
+    <a:lvl9pPr marL="3657600" algn="l" defTabSz="914400" rtl="0">
+      <a:defRPr sz="1800">
         <a:solidFill>
           <a:schemeClr val="tx1"/>
         </a:solidFill>
@@ -107,20 +107,12 @@
       </a:defRPr>
     </a:lvl9pPr>
   </p:defaultTextStyle>
-  <p:extLst>
-    <p:ext uri="{EFAFB233-063F-42B5-8137-9DF3F51BA10A}">
-      <p15:sldGuideLst xmlns:p15="http://schemas.microsoft.com/office/powerpoint/2012/main"/>
-    </p:ext>
-    <p:ext uri="{2D200454-40CA-4A62-9FC3-DE9A4176ACB9}">
-      <p15:notesGuideLst xmlns:p15="http://schemas.microsoft.com/office/powerpoint/2012/main"/>
-    </p:ext>
-  </p:extLst>
 </p:presentation>
 </file>
 
 <file path=ppt/notesMasters/notesMaster1.xml><?xml version="1.0" encoding="utf-8"?>
 <p:notesMaster xmlns:a="http://schemas.openxmlformats.org/drawingml/2006/main" xmlns:r="http://schemas.openxmlformats.org/officeDocument/2006/relationships" xmlns:p="http://schemas.openxmlformats.org/presentationml/2006/main">
-  <p:cSld>
+  <p:cSld name="">
     <p:bg>
       <p:bgRef idx="1001">
         <a:schemeClr val="bg1"/>
@@ -132,7 +124,7 @@
         <p:cNvGrpSpPr/>
         <p:nvPr/>
       </p:nvGrpSpPr>
-      <p:grpSpPr>
+      <p:grpSpPr bwMode="auto">
         <a:xfrm>
           <a:off x="0" y="0"/>
           <a:ext cx="0" cy="0"/>
@@ -142,7 +134,7 @@
       </p:grpSpPr>
       <p:sp>
         <p:nvSpPr>
-          <p:cNvPr id="2" name="Header Placeholder 1"/>
+          <p:cNvPr id="926586711" name="Header Placeholder 1"/>
           <p:cNvSpPr>
             <a:spLocks noGrp="1"/>
           </p:cNvSpPr>
@@ -150,7 +142,7 @@
             <p:ph type="hdr" sz="quarter"/>
           </p:nvPr>
         </p:nvSpPr>
-        <p:spPr>
+        <p:spPr bwMode="auto">
           <a:xfrm>
             <a:off x="0" y="0"/>
             <a:ext cx="2971800" cy="458788"/>
@@ -167,13 +159,16 @@
             </a:lvl1pPr>
           </a:lstStyle>
           <a:p>
-            <a:endParaRPr lang="zh-CN"/>
-          </a:p>
-        </p:txBody>
-      </p:sp>
-      <p:sp>
-        <p:nvSpPr>
-          <p:cNvPr id="3" name="Date Placeholder 2"/>
+            <a:pPr>
+              <a:defRPr/>
+            </a:pPr>
+            <a:endParaRPr lang="zh-CN"/>
+          </a:p>
+        </p:txBody>
+      </p:sp>
+      <p:sp>
+        <p:nvSpPr>
+          <p:cNvPr id="1990681168" name="Date Placeholder 2"/>
           <p:cNvSpPr>
             <a:spLocks noGrp="1"/>
           </p:cNvSpPr>
@@ -181,7 +176,7 @@
             <p:ph type="dt" idx="1"/>
           </p:nvPr>
         </p:nvSpPr>
-        <p:spPr>
+        <p:spPr bwMode="auto">
           <a:xfrm>
             <a:off x="3884613" y="0"/>
             <a:ext cx="2971800" cy="458788"/>
@@ -198,8 +193,11 @@
             </a:lvl1pPr>
           </a:lstStyle>
           <a:p>
+            <a:pPr>
+              <a:defRPr/>
+            </a:pPr>
             <a:fld id="{3632E96E-41F7-40C5-8419-297958CC00FA}" type="datetimeFigureOut">
-              <a:rPr lang="zh-CN" smtClean="0"/>
+              <a:rPr lang="zh-CN"/>
               <a:t>10/30/2013</a:t>
             </a:fld>
             <a:endParaRPr lang="zh-CN"/>
@@ -208,15 +206,15 @@
       </p:sp>
       <p:sp>
         <p:nvSpPr>
-          <p:cNvPr id="4" name="Slide Image Placeholder 3"/>
-          <p:cNvSpPr>
-            <a:spLocks noGrp="1" noRot="1" noChangeAspect="1"/>
+          <p:cNvPr id="2066252378" name="Slide Image Placeholder 3"/>
+          <p:cNvSpPr>
+            <a:spLocks noChangeAspect="1" noGrp="1" noRot="1"/>
           </p:cNvSpPr>
           <p:nvPr>
             <p:ph type="sldImg" idx="2"/>
           </p:nvPr>
         </p:nvSpPr>
-        <p:spPr>
+        <p:spPr bwMode="auto">
           <a:xfrm>
             <a:off x="685800" y="1143000"/>
             <a:ext cx="5486400" cy="3086100"/>
@@ -235,13 +233,16 @@
           <a:bodyPr vert="horz" lIns="91440" tIns="45720" rIns="91440" bIns="45720" rtlCol="0" anchor="ctr"/>
           <a:lstStyle/>
           <a:p>
-            <a:endParaRPr lang="zh-CN"/>
-          </a:p>
-        </p:txBody>
-      </p:sp>
-      <p:sp>
-        <p:nvSpPr>
-          <p:cNvPr id="5" name="Notes Placeholder 4"/>
+            <a:pPr>
+              <a:defRPr/>
+            </a:pPr>
+            <a:endParaRPr lang="zh-CN"/>
+          </a:p>
+        </p:txBody>
+      </p:sp>
+      <p:sp>
+        <p:nvSpPr>
+          <p:cNvPr id="798861881" name="Notes Placeholder 4"/>
           <p:cNvSpPr>
             <a:spLocks noGrp="1"/>
           </p:cNvSpPr>
@@ -249,7 +250,7 @@
             <p:ph type="body" sz="quarter" idx="3"/>
           </p:nvPr>
         </p:nvSpPr>
-        <p:spPr>
+        <p:spPr bwMode="auto">
           <a:xfrm>
             <a:off x="685800" y="4400550"/>
             <a:ext cx="5486400" cy="3600450"/>
@@ -262,37 +263,51 @@
           <a:bodyPr vert="horz" lIns="91440" tIns="45720" rIns="91440" bIns="45720" rtlCol="0"/>
           <a:lstStyle/>
           <a:p>
-            <a:pPr lvl="0"/>
-            <a:r>
-              <a:rPr lang="zh-CN" smtClean="0"/>
+            <a:pPr lvl="0">
+              <a:defRPr/>
+            </a:pPr>
+            <a:r>
+              <a:rPr lang="zh-CN"/>
               <a:t>Click to edit Master text styles</a:t>
             </a:r>
-          </a:p>
-          <a:p>
-            <a:pPr lvl="1"/>
-            <a:r>
-              <a:rPr lang="zh-CN" smtClean="0"/>
+            <a:endParaRPr/>
+          </a:p>
+          <a:p>
+            <a:pPr lvl="1">
+              <a:defRPr/>
+            </a:pPr>
+            <a:r>
+              <a:rPr lang="zh-CN"/>
               <a:t>Second level</a:t>
             </a:r>
-          </a:p>
-          <a:p>
-            <a:pPr lvl="2"/>
-            <a:r>
-              <a:rPr lang="zh-CN" smtClean="0"/>
+            <a:endParaRPr/>
+          </a:p>
+          <a:p>
+            <a:pPr lvl="2">
+              <a:defRPr/>
+            </a:pPr>
+            <a:r>
+              <a:rPr lang="zh-CN"/>
               <a:t>Third level</a:t>
             </a:r>
-          </a:p>
-          <a:p>
-            <a:pPr lvl="3"/>
-            <a:r>
-              <a:rPr lang="zh-CN" smtClean="0"/>
+            <a:endParaRPr/>
+          </a:p>
+          <a:p>
+            <a:pPr lvl="3">
+              <a:defRPr/>
+            </a:pPr>
+            <a:r>
+              <a:rPr lang="zh-CN"/>
               <a:t>Fourth level</a:t>
             </a:r>
-          </a:p>
-          <a:p>
-            <a:pPr lvl="4"/>
-            <a:r>
-              <a:rPr lang="zh-CN" smtClean="0"/>
+            <a:endParaRPr/>
+          </a:p>
+          <a:p>
+            <a:pPr lvl="4">
+              <a:defRPr/>
+            </a:pPr>
+            <a:r>
+              <a:rPr lang="zh-CN"/>
               <a:t>Fifth level</a:t>
             </a:r>
             <a:endParaRPr lang="zh-CN"/>
@@ -301,7 +316,7 @@
       </p:sp>
       <p:sp>
         <p:nvSpPr>
-          <p:cNvPr id="6" name="Footer Placeholder 5"/>
+          <p:cNvPr id="1854493174" name="Footer Placeholder 5"/>
           <p:cNvSpPr>
             <a:spLocks noGrp="1"/>
           </p:cNvSpPr>
@@ -309,7 +324,7 @@
             <p:ph type="ftr" sz="quarter" idx="4"/>
           </p:nvPr>
         </p:nvSpPr>
-        <p:spPr>
+        <p:spPr bwMode="auto">
           <a:xfrm>
             <a:off x="0" y="8685213"/>
             <a:ext cx="2971800" cy="458787"/>
@@ -326,13 +341,16 @@
             </a:lvl1pPr>
           </a:lstStyle>
           <a:p>
-            <a:endParaRPr lang="zh-CN"/>
-          </a:p>
-        </p:txBody>
-      </p:sp>
-      <p:sp>
-        <p:nvSpPr>
-          <p:cNvPr id="7" name="Slide Number Placeholder 6"/>
+            <a:pPr>
+              <a:defRPr/>
+            </a:pPr>
+            <a:endParaRPr lang="zh-CN"/>
+          </a:p>
+        </p:txBody>
+      </p:sp>
+      <p:sp>
+        <p:nvSpPr>
+          <p:cNvPr id="125502887" name="Slide Number Placeholder 6"/>
           <p:cNvSpPr>
             <a:spLocks noGrp="1"/>
           </p:cNvSpPr>
@@ -340,7 +358,7 @@
             <p:ph type="sldNum" sz="quarter" idx="5"/>
           </p:nvPr>
         </p:nvSpPr>
-        <p:spPr>
+        <p:spPr bwMode="auto">
           <a:xfrm>
             <a:off x="3884613" y="8685213"/>
             <a:ext cx="2971800" cy="458787"/>
@@ -357,8 +375,11 @@
             </a:lvl1pPr>
           </a:lstStyle>
           <a:p>
+            <a:pPr>
+              <a:defRPr/>
+            </a:pPr>
             <a:fld id="{2E6999B8-B6B4-4561-A3CD-BBCDAB9FC9D9}" type="slidenum">
-              <a:rPr lang="zh-CN" smtClean="0"/>
+              <a:rPr lang="zh-CN"/>
               <a:t>‹#›</a:t>
             </a:fld>
             <a:endParaRPr lang="zh-CN"/>
@@ -366,16 +387,11 @@
         </p:txBody>
       </p:sp>
     </p:spTree>
-    <p:extLst>
-      <p:ext uri="{BB962C8B-B14F-4D97-AF65-F5344CB8AC3E}">
-        <p14:creationId xmlns:p14="http://schemas.microsoft.com/office/powerpoint/2010/main" val="2743286597"/>
-      </p:ext>
-    </p:extLst>
   </p:cSld>
   <p:clrMap bg1="lt1" tx1="dk1" bg2="lt2" tx2="dk2" accent1="accent1" accent2="accent2" accent3="accent3" accent4="accent4" accent5="accent5" accent6="accent6" hlink="hlink" folHlink="folHlink"/>
   <p:notesStyle>
-    <a:lvl1pPr marL="0" algn="l" defTabSz="914400" rtl="0" eaLnBrk="1" latinLnBrk="0" hangingPunct="1">
-      <a:defRPr sz="1200" kern="1200">
+    <a:lvl1pPr marL="0" algn="l" defTabSz="914400" rtl="0">
+      <a:defRPr sz="1200">
         <a:solidFill>
           <a:schemeClr val="tx1"/>
         </a:solidFill>
@@ -384,8 +400,8 @@
         <a:cs typeface="+mn-cs"/>
       </a:defRPr>
     </a:lvl1pPr>
-    <a:lvl2pPr marL="457200" algn="l" defTabSz="914400" rtl="0" eaLnBrk="1" latinLnBrk="0" hangingPunct="1">
-      <a:defRPr sz="1200" kern="1200">
+    <a:lvl2pPr marL="457200" algn="l" defTabSz="914400" rtl="0">
+      <a:defRPr sz="1200">
         <a:solidFill>
           <a:schemeClr val="tx1"/>
         </a:solidFill>
@@ -394,8 +410,8 @@
         <a:cs typeface="+mn-cs"/>
       </a:defRPr>
     </a:lvl2pPr>
-    <a:lvl3pPr marL="914400" algn="l" defTabSz="914400" rtl="0" eaLnBrk="1" latinLnBrk="0" hangingPunct="1">
-      <a:defRPr sz="1200" kern="1200">
+    <a:lvl3pPr marL="914400" algn="l" defTabSz="914400" rtl="0">
+      <a:defRPr sz="1200">
         <a:solidFill>
           <a:schemeClr val="tx1"/>
         </a:solidFill>
@@ -404,8 +420,8 @@
         <a:cs typeface="+mn-cs"/>
       </a:defRPr>
     </a:lvl3pPr>
-    <a:lvl4pPr marL="1371600" algn="l" defTabSz="914400" rtl="0" eaLnBrk="1" latinLnBrk="0" hangingPunct="1">
-      <a:defRPr sz="1200" kern="1200">
+    <a:lvl4pPr marL="1371600" algn="l" defTabSz="914400" rtl="0">
+      <a:defRPr sz="1200">
         <a:solidFill>
           <a:schemeClr val="tx1"/>
         </a:solidFill>
@@ -414,8 +430,8 @@
         <a:cs typeface="+mn-cs"/>
       </a:defRPr>
     </a:lvl4pPr>
-    <a:lvl5pPr marL="1828800" algn="l" defTabSz="914400" rtl="0" eaLnBrk="1" latinLnBrk="0" hangingPunct="1">
-      <a:defRPr sz="1200" kern="1200">
+    <a:lvl5pPr marL="1828800" algn="l" defTabSz="914400" rtl="0">
+      <a:defRPr sz="1200">
         <a:solidFill>
           <a:schemeClr val="tx1"/>
         </a:solidFill>
@@ -424,8 +440,8 @@
         <a:cs typeface="+mn-cs"/>
       </a:defRPr>
     </a:lvl5pPr>
-    <a:lvl6pPr marL="2286000" algn="l" defTabSz="914400" rtl="0" eaLnBrk="1" latinLnBrk="0" hangingPunct="1">
-      <a:defRPr sz="1200" kern="1200">
+    <a:lvl6pPr marL="2286000" algn="l" defTabSz="914400" rtl="0">
+      <a:defRPr sz="1200">
         <a:solidFill>
           <a:schemeClr val="tx1"/>
         </a:solidFill>
@@ -434,8 +450,8 @@
         <a:cs typeface="+mn-cs"/>
       </a:defRPr>
     </a:lvl6pPr>
-    <a:lvl7pPr marL="2743200" algn="l" defTabSz="914400" rtl="0" eaLnBrk="1" latinLnBrk="0" hangingPunct="1">
-      <a:defRPr sz="1200" kern="1200">
+    <a:lvl7pPr marL="2743200" algn="l" defTabSz="914400" rtl="0">
+      <a:defRPr sz="1200">
         <a:solidFill>
           <a:schemeClr val="tx1"/>
         </a:solidFill>
@@ -444,8 +460,8 @@
         <a:cs typeface="+mn-cs"/>
       </a:defRPr>
     </a:lvl7pPr>
-    <a:lvl8pPr marL="3200400" algn="l" defTabSz="914400" rtl="0" eaLnBrk="1" latinLnBrk="0" hangingPunct="1">
-      <a:defRPr sz="1200" kern="1200">
+    <a:lvl8pPr marL="3200400" algn="l" defTabSz="914400" rtl="0">
+      <a:defRPr sz="1200">
         <a:solidFill>
           <a:schemeClr val="tx1"/>
         </a:solidFill>
@@ -454,8 +470,8 @@
         <a:cs typeface="+mn-cs"/>
       </a:defRPr>
     </a:lvl8pPr>
-    <a:lvl9pPr marL="3657600" algn="l" defTabSz="914400" rtl="0" eaLnBrk="1" latinLnBrk="0" hangingPunct="1">
-      <a:defRPr sz="1200" kern="1200">
+    <a:lvl9pPr marL="3657600" algn="l" defTabSz="914400" rtl="0">
+      <a:defRPr sz="1200">
         <a:solidFill>
           <a:schemeClr val="tx1"/>
         </a:solidFill>
@@ -469,15 +485,15 @@
 </file>
 
 <file path=ppt/notesSlides/notesSlide1.xml><?xml version="1.0" encoding="utf-8"?>
-<p:notes xmlns:a="http://schemas.openxmlformats.org/drawingml/2006/main" xmlns:r="http://schemas.openxmlformats.org/officeDocument/2006/relationships" xmlns:p="http://schemas.openxmlformats.org/presentationml/2006/main">
-  <p:cSld>
+<p:notes xmlns:a="http://schemas.openxmlformats.org/drawingml/2006/main" xmlns:r="http://schemas.openxmlformats.org/officeDocument/2006/relationships" xmlns:p="http://schemas.openxmlformats.org/presentationml/2006/main" xmlns:m="http://schemas.openxmlformats.org/officeDocument/2006/math" xmlns:w="http://schemas.openxmlformats.org/wordprocessingml/2006/main">
+  <p:cSld name="">
     <p:spTree>
       <p:nvGrpSpPr>
         <p:cNvPr id="1" name=""/>
         <p:cNvGrpSpPr/>
         <p:nvPr/>
       </p:nvGrpSpPr>
-      <p:grpSpPr>
+      <p:grpSpPr bwMode="auto">
         <a:xfrm>
           <a:off x="0" y="0"/>
           <a:ext cx="0" cy="0"/>
@@ -487,15 +503,15 @@
       </p:grpSpPr>
       <p:sp>
         <p:nvSpPr>
-          <p:cNvPr id="2" name="Slide Image Placeholder 1"/>
-          <p:cNvSpPr>
-            <a:spLocks noGrp="1" noRot="1" noChangeAspect="1"/>
+          <p:cNvPr id="691496501" name="Slide Image Placeholder 1"/>
+          <p:cNvSpPr>
+            <a:spLocks noChangeAspect="1" noGrp="1" noRot="1"/>
           </p:cNvSpPr>
           <p:nvPr>
             <p:ph type="sldImg"/>
           </p:nvPr>
         </p:nvSpPr>
-        <p:spPr>
+        <p:spPr bwMode="auto">
           <a:xfrm>
             <a:off x="685800" y="1143000"/>
             <a:ext cx="5486400" cy="3086100"/>
@@ -504,7 +520,7 @@
       </p:sp>
       <p:sp>
         <p:nvSpPr>
-          <p:cNvPr id="3" name="Notes Placeholder 2"/>
+          <p:cNvPr id="1862948544" name="Notes Placeholder 2"/>
           <p:cNvSpPr>
             <a:spLocks noGrp="1"/>
           </p:cNvSpPr>
@@ -512,21 +528,24 @@
             <p:ph type="body" idx="1"/>
           </p:nvPr>
         </p:nvSpPr>
-        <p:spPr/>
-        <p:txBody>
-          <a:bodyPr/>
-          <a:lstStyle/>
-          <a:p>
-            <a:endParaRPr lang="zh-CN" dirty="0">
-              <a:latin typeface="Arial" panose="020B0604020202020204" pitchFamily="34" charset="0"/>
-              <a:cs typeface="Arial" panose="020B0604020202020204" pitchFamily="34" charset="0"/>
+        <p:spPr bwMode="auto"/>
+        <p:txBody>
+          <a:bodyPr/>
+          <a:lstStyle/>
+          <a:p>
+            <a:pPr>
+              <a:defRPr/>
+            </a:pPr>
+            <a:endParaRPr lang="zh-CN">
+              <a:latin typeface="Arial"/>
+              <a:cs typeface="Arial"/>
             </a:endParaRPr>
           </a:p>
         </p:txBody>
       </p:sp>
       <p:sp>
         <p:nvSpPr>
-          <p:cNvPr id="4" name="Slide Number Placeholder 3"/>
+          <p:cNvPr id="1565800824" name="Slide Number Placeholder 3"/>
           <p:cNvSpPr>
             <a:spLocks noGrp="1"/>
           </p:cNvSpPr>
@@ -534,13 +553,16 @@
             <p:ph type="sldNum" sz="quarter" idx="10"/>
           </p:nvPr>
         </p:nvSpPr>
-        <p:spPr/>
-        <p:txBody>
-          <a:bodyPr/>
-          <a:lstStyle/>
-          <a:p>
+        <p:spPr bwMode="auto"/>
+        <p:txBody>
+          <a:bodyPr/>
+          <a:lstStyle/>
+          <a:p>
+            <a:pPr>
+              <a:defRPr/>
+            </a:pPr>
             <a:fld id="{2E6999B8-B6B4-4561-A3CD-BBCDAB9FC9D9}" type="slidenum">
-              <a:rPr lang="zh-CN" smtClean="0"/>
+              <a:rPr lang="zh-CN"/>
               <a:t>1</a:t>
             </a:fld>
             <a:endParaRPr lang="zh-CN"/>
@@ -548,11 +570,6 @@
         </p:txBody>
       </p:sp>
     </p:spTree>
-    <p:extLst>
-      <p:ext uri="{BB962C8B-B14F-4D97-AF65-F5344CB8AC3E}">
-        <p14:creationId xmlns:p14="http://schemas.microsoft.com/office/powerpoint/2010/main" val="867644256"/>
-      </p:ext>
-    </p:extLst>
   </p:cSld>
   <p:clrMapOvr>
     <a:masterClrMapping/>
@@ -561,7 +578,7 @@
 </file>
 
 <file path=ppt/slideLayouts/slideLayout1.xml><?xml version="1.0" encoding="utf-8"?>
-<p:sldLayout xmlns:a="http://schemas.openxmlformats.org/drawingml/2006/main" xmlns:r="http://schemas.openxmlformats.org/officeDocument/2006/relationships" xmlns:p="http://schemas.openxmlformats.org/presentationml/2006/main" type="title" preserve="1">
+<p:sldLayout xmlns:a="http://schemas.openxmlformats.org/drawingml/2006/main" xmlns:r="http://schemas.openxmlformats.org/officeDocument/2006/relationships" xmlns:p="http://schemas.openxmlformats.org/presentationml/2006/main" xmlns:m="http://schemas.openxmlformats.org/officeDocument/2006/math" xmlns:w="http://schemas.openxmlformats.org/wordprocessingml/2006/main" matchingName="" preserve="1" showMasterPhAnim="0" showMasterSp="1" type="title" userDrawn="1">
   <p:cSld name="Title Slide">
     <p:spTree>
       <p:nvGrpSpPr>
@@ -569,7 +586,7 @@
         <p:cNvGrpSpPr/>
         <p:nvPr/>
       </p:nvGrpSpPr>
-      <p:grpSpPr>
+      <p:grpSpPr bwMode="auto">
         <a:xfrm>
           <a:off x="0" y="0"/>
           <a:ext cx="0" cy="0"/>
@@ -579,7 +596,7 @@
       </p:grpSpPr>
       <p:sp>
         <p:nvSpPr>
-          <p:cNvPr id="2" name="Title 1"/>
+          <p:cNvPr id="1401406964" name="Title 1"/>
           <p:cNvSpPr>
             <a:spLocks noGrp="1"/>
           </p:cNvSpPr>
@@ -587,7 +604,7 @@
             <p:ph type="ctrTitle"/>
           </p:nvPr>
         </p:nvSpPr>
-        <p:spPr>
+        <p:spPr bwMode="auto">
           <a:xfrm>
             <a:off x="1524000" y="1122363"/>
             <a:ext cx="9144000" cy="2387600"/>
@@ -601,17 +618,20 @@
             </a:lvl1pPr>
           </a:lstStyle>
           <a:p>
-            <a:r>
-              <a:rPr lang="zh-CN" smtClean="0"/>
+            <a:pPr>
+              <a:defRPr/>
+            </a:pPr>
+            <a:r>
+              <a:rPr lang="zh-CN"/>
               <a:t>Click to edit Master title style</a:t>
             </a:r>
-            <a:endParaRPr lang="zh-CN" dirty="0"/>
-          </a:p>
-        </p:txBody>
-      </p:sp>
-      <p:sp>
-        <p:nvSpPr>
-          <p:cNvPr id="3" name="Subtitle 2"/>
+            <a:endParaRPr lang="zh-CN"/>
+          </a:p>
+        </p:txBody>
+      </p:sp>
+      <p:sp>
+        <p:nvSpPr>
+          <p:cNvPr id="463146695" name="Subtitle 2"/>
           <p:cNvSpPr>
             <a:spLocks noGrp="1"/>
           </p:cNvSpPr>
@@ -619,7 +639,7 @@
             <p:ph type="subTitle" idx="1"/>
           </p:nvPr>
         </p:nvSpPr>
-        <p:spPr>
+        <p:spPr bwMode="auto">
           <a:xfrm>
             <a:off x="1524000" y="3602038"/>
             <a:ext cx="9144000" cy="1655762"/>
@@ -666,17 +686,20 @@
             </a:lvl9pPr>
           </a:lstStyle>
           <a:p>
-            <a:r>
-              <a:rPr lang="zh-CN" smtClean="0"/>
+            <a:pPr>
+              <a:defRPr/>
+            </a:pPr>
+            <a:r>
+              <a:rPr lang="zh-CN"/>
               <a:t>Click to edit Master subtitle style</a:t>
             </a:r>
-            <a:endParaRPr lang="zh-CN" dirty="0"/>
-          </a:p>
-        </p:txBody>
-      </p:sp>
-      <p:sp>
-        <p:nvSpPr>
-          <p:cNvPr id="4" name="Date Placeholder 3"/>
+            <a:endParaRPr lang="zh-CN"/>
+          </a:p>
+        </p:txBody>
+      </p:sp>
+      <p:sp>
+        <p:nvSpPr>
+          <p:cNvPr id="254356156" name="Date Placeholder 3"/>
           <p:cNvSpPr>
             <a:spLocks noGrp="1"/>
           </p:cNvSpPr>
@@ -684,13 +707,16 @@
             <p:ph type="dt" sz="half" idx="10"/>
           </p:nvPr>
         </p:nvSpPr>
-        <p:spPr/>
-        <p:txBody>
-          <a:bodyPr/>
-          <a:lstStyle/>
-          <a:p>
+        <p:spPr bwMode="auto"/>
+        <p:txBody>
+          <a:bodyPr/>
+          <a:lstStyle/>
+          <a:p>
+            <a:pPr>
+              <a:defRPr/>
+            </a:pPr>
             <a:fld id="{BCC18F51-09EC-435C-A3BA-64A766E099C0}" type="datetimeFigureOut">
-              <a:rPr lang="zh-CN" smtClean="0"/>
+              <a:rPr lang="zh-CN"/>
               <a:t>30.10.2013</a:t>
             </a:fld>
             <a:endParaRPr lang="zh-CN"/>
@@ -699,7 +725,7 @@
       </p:sp>
       <p:sp>
         <p:nvSpPr>
-          <p:cNvPr id="5" name="Footer Placeholder 4"/>
+          <p:cNvPr id="114962164" name="Footer Placeholder 4"/>
           <p:cNvSpPr>
             <a:spLocks noGrp="1"/>
           </p:cNvSpPr>
@@ -707,18 +733,21 @@
             <p:ph type="ftr" sz="quarter" idx="11"/>
           </p:nvPr>
         </p:nvSpPr>
-        <p:spPr/>
-        <p:txBody>
-          <a:bodyPr/>
-          <a:lstStyle/>
-          <a:p>
-            <a:endParaRPr lang="zh-CN"/>
-          </a:p>
-        </p:txBody>
-      </p:sp>
-      <p:sp>
-        <p:nvSpPr>
-          <p:cNvPr id="6" name="Slide Number Placeholder 5"/>
+        <p:spPr bwMode="auto"/>
+        <p:txBody>
+          <a:bodyPr/>
+          <a:lstStyle/>
+          <a:p>
+            <a:pPr>
+              <a:defRPr/>
+            </a:pPr>
+            <a:endParaRPr lang="zh-CN"/>
+          </a:p>
+        </p:txBody>
+      </p:sp>
+      <p:sp>
+        <p:nvSpPr>
+          <p:cNvPr id="713013020" name="Slide Number Placeholder 5"/>
           <p:cNvSpPr>
             <a:spLocks noGrp="1"/>
           </p:cNvSpPr>
@@ -726,13 +755,16 @@
             <p:ph type="sldNum" sz="quarter" idx="12"/>
           </p:nvPr>
         </p:nvSpPr>
-        <p:spPr/>
-        <p:txBody>
-          <a:bodyPr/>
-          <a:lstStyle/>
-          <a:p>
+        <p:spPr bwMode="auto"/>
+        <p:txBody>
+          <a:bodyPr/>
+          <a:lstStyle/>
+          <a:p>
+            <a:pPr>
+              <a:defRPr/>
+            </a:pPr>
             <a:fld id="{08395586-F03A-48D1-94DF-16B239DF4FB5}" type="slidenum">
-              <a:rPr lang="zh-CN" smtClean="0"/>
+              <a:rPr lang="zh-CN"/>
               <a:t>‹#›</a:t>
             </a:fld>
             <a:endParaRPr lang="zh-CN"/>
@@ -740,11 +772,6 @@
         </p:txBody>
       </p:sp>
     </p:spTree>
-    <p:extLst>
-      <p:ext uri="{BB962C8B-B14F-4D97-AF65-F5344CB8AC3E}">
-        <p14:creationId xmlns:p14="http://schemas.microsoft.com/office/powerpoint/2010/main" val="2520518546"/>
-      </p:ext>
-    </p:extLst>
   </p:cSld>
   <p:clrMapOvr>
     <a:masterClrMapping/>
@@ -753,7 +780,7 @@
 </file>
 
 <file path=ppt/slideLayouts/slideLayout10.xml><?xml version="1.0" encoding="utf-8"?>
-<p:sldLayout xmlns:a="http://schemas.openxmlformats.org/drawingml/2006/main" xmlns:r="http://schemas.openxmlformats.org/officeDocument/2006/relationships" xmlns:p="http://schemas.openxmlformats.org/presentationml/2006/main" type="vertTx" preserve="1">
+<p:sldLayout xmlns:a="http://schemas.openxmlformats.org/drawingml/2006/main" xmlns:r="http://schemas.openxmlformats.org/officeDocument/2006/relationships" xmlns:p="http://schemas.openxmlformats.org/presentationml/2006/main" xmlns:m="http://schemas.openxmlformats.org/officeDocument/2006/math" xmlns:w="http://schemas.openxmlformats.org/wordprocessingml/2006/main" matchingName="" preserve="1" showMasterPhAnim="0" showMasterSp="1" type="vertTx" userDrawn="1">
   <p:cSld name="Title and Vertical Text">
     <p:spTree>
       <p:nvGrpSpPr>
@@ -761,7 +788,7 @@
         <p:cNvGrpSpPr/>
         <p:nvPr/>
       </p:nvGrpSpPr>
-      <p:grpSpPr>
+      <p:grpSpPr bwMode="auto">
         <a:xfrm>
           <a:off x="0" y="0"/>
           <a:ext cx="0" cy="0"/>
@@ -771,7 +798,7 @@
       </p:grpSpPr>
       <p:sp>
         <p:nvSpPr>
-          <p:cNvPr id="2" name="Title 1"/>
+          <p:cNvPr id="234246294" name="Title 1"/>
           <p:cNvSpPr>
             <a:spLocks noGrp="1"/>
           </p:cNvSpPr>
@@ -779,22 +806,25 @@
             <p:ph type="title"/>
           </p:nvPr>
         </p:nvSpPr>
-        <p:spPr/>
-        <p:txBody>
-          <a:bodyPr/>
-          <a:lstStyle/>
-          <a:p>
-            <a:r>
-              <a:rPr lang="zh-CN" smtClean="0"/>
+        <p:spPr bwMode="auto"/>
+        <p:txBody>
+          <a:bodyPr/>
+          <a:lstStyle/>
+          <a:p>
+            <a:pPr>
+              <a:defRPr/>
+            </a:pPr>
+            <a:r>
+              <a:rPr lang="zh-CN"/>
               <a:t>Click to edit Master title style</a:t>
             </a:r>
-            <a:endParaRPr lang="zh-CN" dirty="0"/>
-          </a:p>
-        </p:txBody>
-      </p:sp>
-      <p:sp>
-        <p:nvSpPr>
-          <p:cNvPr id="3" name="Vertical Text Placeholder 2"/>
+            <a:endParaRPr lang="zh-CN"/>
+          </a:p>
+        </p:txBody>
+      </p:sp>
+      <p:sp>
+        <p:nvSpPr>
+          <p:cNvPr id="567508664" name="Vertical Text Placeholder 2"/>
           <p:cNvSpPr>
             <a:spLocks noGrp="1"/>
           </p:cNvSpPr>
@@ -802,51 +832,65 @@
             <p:ph type="body" orient="vert" idx="1"/>
           </p:nvPr>
         </p:nvSpPr>
-        <p:spPr/>
+        <p:spPr bwMode="auto"/>
         <p:txBody>
           <a:bodyPr vert="eaVert"/>
           <a:lstStyle/>
           <a:p>
-            <a:pPr lvl="0"/>
-            <a:r>
-              <a:rPr lang="zh-CN" smtClean="0"/>
+            <a:pPr lvl="0">
+              <a:defRPr/>
+            </a:pPr>
+            <a:r>
+              <a:rPr lang="zh-CN"/>
               <a:t>Click to edit Master text styles</a:t>
             </a:r>
-          </a:p>
-          <a:p>
-            <a:pPr lvl="1"/>
-            <a:r>
-              <a:rPr lang="zh-CN" smtClean="0"/>
+            <a:endParaRPr/>
+          </a:p>
+          <a:p>
+            <a:pPr lvl="1">
+              <a:defRPr/>
+            </a:pPr>
+            <a:r>
+              <a:rPr lang="zh-CN"/>
               <a:t>Second level</a:t>
             </a:r>
-          </a:p>
-          <a:p>
-            <a:pPr lvl="2"/>
-            <a:r>
-              <a:rPr lang="zh-CN" smtClean="0"/>
+            <a:endParaRPr/>
+          </a:p>
+          <a:p>
+            <a:pPr lvl="2">
+              <a:defRPr/>
+            </a:pPr>
+            <a:r>
+              <a:rPr lang="zh-CN"/>
               <a:t>Third level</a:t>
             </a:r>
-          </a:p>
-          <a:p>
-            <a:pPr lvl="3"/>
-            <a:r>
-              <a:rPr lang="zh-CN" smtClean="0"/>
+            <a:endParaRPr/>
+          </a:p>
+          <a:p>
+            <a:pPr lvl="3">
+              <a:defRPr/>
+            </a:pPr>
+            <a:r>
+              <a:rPr lang="zh-CN"/>
               <a:t>Fourth level</a:t>
             </a:r>
-          </a:p>
-          <a:p>
-            <a:pPr lvl="4"/>
-            <a:r>
-              <a:rPr lang="zh-CN" smtClean="0"/>
+            <a:endParaRPr/>
+          </a:p>
+          <a:p>
+            <a:pPr lvl="4">
+              <a:defRPr/>
+            </a:pPr>
+            <a:r>
+              <a:rPr lang="zh-CN"/>
               <a:t>Fifth level</a:t>
             </a:r>
-            <a:endParaRPr lang="zh-CN" dirty="0"/>
-          </a:p>
-        </p:txBody>
-      </p:sp>
-      <p:sp>
-        <p:nvSpPr>
-          <p:cNvPr id="4" name="Date Placeholder 3"/>
+            <a:endParaRPr lang="zh-CN"/>
+          </a:p>
+        </p:txBody>
+      </p:sp>
+      <p:sp>
+        <p:nvSpPr>
+          <p:cNvPr id="60458396" name="Date Placeholder 3"/>
           <p:cNvSpPr>
             <a:spLocks noGrp="1"/>
           </p:cNvSpPr>
@@ -854,13 +898,16 @@
             <p:ph type="dt" sz="half" idx="10"/>
           </p:nvPr>
         </p:nvSpPr>
-        <p:spPr/>
-        <p:txBody>
-          <a:bodyPr/>
-          <a:lstStyle/>
-          <a:p>
+        <p:spPr bwMode="auto"/>
+        <p:txBody>
+          <a:bodyPr/>
+          <a:lstStyle/>
+          <a:p>
+            <a:pPr>
+              <a:defRPr/>
+            </a:pPr>
             <a:fld id="{BCC18F51-09EC-435C-A3BA-64A766E099C0}" type="datetimeFigureOut">
-              <a:rPr lang="zh-CN" smtClean="0"/>
+              <a:rPr lang="zh-CN"/>
               <a:t>30.10.2013</a:t>
             </a:fld>
             <a:endParaRPr lang="zh-CN"/>
@@ -869,7 +916,7 @@
       </p:sp>
       <p:sp>
         <p:nvSpPr>
-          <p:cNvPr id="5" name="Footer Placeholder 4"/>
+          <p:cNvPr id="146550233" name="Footer Placeholder 4"/>
           <p:cNvSpPr>
             <a:spLocks noGrp="1"/>
           </p:cNvSpPr>
@@ -877,18 +924,21 @@
             <p:ph type="ftr" sz="quarter" idx="11"/>
           </p:nvPr>
         </p:nvSpPr>
-        <p:spPr/>
-        <p:txBody>
-          <a:bodyPr/>
-          <a:lstStyle/>
-          <a:p>
-            <a:endParaRPr lang="zh-CN"/>
-          </a:p>
-        </p:txBody>
-      </p:sp>
-      <p:sp>
-        <p:nvSpPr>
-          <p:cNvPr id="6" name="Slide Number Placeholder 5"/>
+        <p:spPr bwMode="auto"/>
+        <p:txBody>
+          <a:bodyPr/>
+          <a:lstStyle/>
+          <a:p>
+            <a:pPr>
+              <a:defRPr/>
+            </a:pPr>
+            <a:endParaRPr lang="zh-CN"/>
+          </a:p>
+        </p:txBody>
+      </p:sp>
+      <p:sp>
+        <p:nvSpPr>
+          <p:cNvPr id="1569123788" name="Slide Number Placeholder 5"/>
           <p:cNvSpPr>
             <a:spLocks noGrp="1"/>
           </p:cNvSpPr>
@@ -896,13 +946,16 @@
             <p:ph type="sldNum" sz="quarter" idx="12"/>
           </p:nvPr>
         </p:nvSpPr>
-        <p:spPr/>
-        <p:txBody>
-          <a:bodyPr/>
-          <a:lstStyle/>
-          <a:p>
+        <p:spPr bwMode="auto"/>
+        <p:txBody>
+          <a:bodyPr/>
+          <a:lstStyle/>
+          <a:p>
+            <a:pPr>
+              <a:defRPr/>
+            </a:pPr>
             <a:fld id="{08395586-F03A-48D1-94DF-16B239DF4FB5}" type="slidenum">
-              <a:rPr lang="zh-CN" smtClean="0"/>
+              <a:rPr lang="zh-CN"/>
               <a:t>‹#›</a:t>
             </a:fld>
             <a:endParaRPr lang="zh-CN"/>
@@ -910,11 +963,6 @@
         </p:txBody>
       </p:sp>
     </p:spTree>
-    <p:extLst>
-      <p:ext uri="{BB962C8B-B14F-4D97-AF65-F5344CB8AC3E}">
-        <p14:creationId xmlns:p14="http://schemas.microsoft.com/office/powerpoint/2010/main" val="2377304659"/>
-      </p:ext>
-    </p:extLst>
   </p:cSld>
   <p:clrMapOvr>
     <a:masterClrMapping/>
@@ -923,7 +971,7 @@
 </file>
 
 <file path=ppt/slideLayouts/slideLayout11.xml><?xml version="1.0" encoding="utf-8"?>
-<p:sldLayout xmlns:a="http://schemas.openxmlformats.org/drawingml/2006/main" xmlns:r="http://schemas.openxmlformats.org/officeDocument/2006/relationships" xmlns:p="http://schemas.openxmlformats.org/presentationml/2006/main" type="vertTitleAndTx" preserve="1">
+<p:sldLayout xmlns:a="http://schemas.openxmlformats.org/drawingml/2006/main" xmlns:r="http://schemas.openxmlformats.org/officeDocument/2006/relationships" xmlns:p="http://schemas.openxmlformats.org/presentationml/2006/main" xmlns:m="http://schemas.openxmlformats.org/officeDocument/2006/math" xmlns:w="http://schemas.openxmlformats.org/wordprocessingml/2006/main" matchingName="" preserve="1" showMasterPhAnim="0" showMasterSp="1" type="vertTitleAndTx" userDrawn="1">
   <p:cSld name="Vertical Title and Text">
     <p:spTree>
       <p:nvGrpSpPr>
@@ -931,7 +979,7 @@
         <p:cNvGrpSpPr/>
         <p:nvPr/>
       </p:nvGrpSpPr>
-      <p:grpSpPr>
+      <p:grpSpPr bwMode="auto">
         <a:xfrm>
           <a:off x="0" y="0"/>
           <a:ext cx="0" cy="0"/>
@@ -941,7 +989,7 @@
       </p:grpSpPr>
       <p:sp>
         <p:nvSpPr>
-          <p:cNvPr id="2" name="Vertical Title 1"/>
+          <p:cNvPr id="1111794236" name="Vertical Title 1"/>
           <p:cNvSpPr>
             <a:spLocks noGrp="1"/>
           </p:cNvSpPr>
@@ -949,7 +997,7 @@
             <p:ph type="title" orient="vert"/>
           </p:nvPr>
         </p:nvSpPr>
-        <p:spPr>
+        <p:spPr bwMode="auto">
           <a:xfrm>
             <a:off x="8724900" y="365125"/>
             <a:ext cx="2628900" cy="5811838"/>
@@ -959,17 +1007,20 @@
           <a:bodyPr vert="eaVert"/>
           <a:lstStyle/>
           <a:p>
-            <a:r>
-              <a:rPr lang="zh-CN" smtClean="0"/>
+            <a:pPr>
+              <a:defRPr/>
+            </a:pPr>
+            <a:r>
+              <a:rPr lang="zh-CN"/>
               <a:t>Click to edit Master title style</a:t>
             </a:r>
-            <a:endParaRPr lang="zh-CN" dirty="0"/>
-          </a:p>
-        </p:txBody>
-      </p:sp>
-      <p:sp>
-        <p:nvSpPr>
-          <p:cNvPr id="3" name="Vertical Text Placeholder 2"/>
+            <a:endParaRPr lang="zh-CN"/>
+          </a:p>
+        </p:txBody>
+      </p:sp>
+      <p:sp>
+        <p:nvSpPr>
+          <p:cNvPr id="2026232647" name="Vertical Text Placeholder 2"/>
           <p:cNvSpPr>
             <a:spLocks noGrp="1"/>
           </p:cNvSpPr>
@@ -977,7 +1028,7 @@
             <p:ph type="body" orient="vert" idx="1"/>
           </p:nvPr>
         </p:nvSpPr>
-        <p:spPr>
+        <p:spPr bwMode="auto">
           <a:xfrm>
             <a:off x="838200" y="365125"/>
             <a:ext cx="7734300" cy="5811838"/>
@@ -987,46 +1038,60 @@
           <a:bodyPr vert="eaVert"/>
           <a:lstStyle/>
           <a:p>
-            <a:pPr lvl="0"/>
-            <a:r>
-              <a:rPr lang="zh-CN" smtClean="0"/>
+            <a:pPr lvl="0">
+              <a:defRPr/>
+            </a:pPr>
+            <a:r>
+              <a:rPr lang="zh-CN"/>
               <a:t>Click to edit Master text styles</a:t>
             </a:r>
-          </a:p>
-          <a:p>
-            <a:pPr lvl="1"/>
-            <a:r>
-              <a:rPr lang="zh-CN" smtClean="0"/>
+            <a:endParaRPr/>
+          </a:p>
+          <a:p>
+            <a:pPr lvl="1">
+              <a:defRPr/>
+            </a:pPr>
+            <a:r>
+              <a:rPr lang="zh-CN"/>
               <a:t>Second level</a:t>
             </a:r>
-          </a:p>
-          <a:p>
-            <a:pPr lvl="2"/>
-            <a:r>
-              <a:rPr lang="zh-CN" smtClean="0"/>
+            <a:endParaRPr/>
+          </a:p>
+          <a:p>
+            <a:pPr lvl="2">
+              <a:defRPr/>
+            </a:pPr>
+            <a:r>
+              <a:rPr lang="zh-CN"/>
               <a:t>Third level</a:t>
             </a:r>
-          </a:p>
-          <a:p>
-            <a:pPr lvl="3"/>
-            <a:r>
-              <a:rPr lang="zh-CN" smtClean="0"/>
+            <a:endParaRPr/>
+          </a:p>
+          <a:p>
+            <a:pPr lvl="3">
+              <a:defRPr/>
+            </a:pPr>
+            <a:r>
+              <a:rPr lang="zh-CN"/>
               <a:t>Fourth level</a:t>
             </a:r>
-          </a:p>
-          <a:p>
-            <a:pPr lvl="4"/>
-            <a:r>
-              <a:rPr lang="zh-CN" smtClean="0"/>
+            <a:endParaRPr/>
+          </a:p>
+          <a:p>
+            <a:pPr lvl="4">
+              <a:defRPr/>
+            </a:pPr>
+            <a:r>
+              <a:rPr lang="zh-CN"/>
               <a:t>Fifth level</a:t>
             </a:r>
-            <a:endParaRPr lang="zh-CN" dirty="0"/>
-          </a:p>
-        </p:txBody>
-      </p:sp>
-      <p:sp>
-        <p:nvSpPr>
-          <p:cNvPr id="4" name="Date Placeholder 3"/>
+            <a:endParaRPr lang="zh-CN"/>
+          </a:p>
+        </p:txBody>
+      </p:sp>
+      <p:sp>
+        <p:nvSpPr>
+          <p:cNvPr id="402725679" name="Date Placeholder 3"/>
           <p:cNvSpPr>
             <a:spLocks noGrp="1"/>
           </p:cNvSpPr>
@@ -1034,13 +1099,16 @@
             <p:ph type="dt" sz="half" idx="10"/>
           </p:nvPr>
         </p:nvSpPr>
-        <p:spPr/>
-        <p:txBody>
-          <a:bodyPr/>
-          <a:lstStyle/>
-          <a:p>
+        <p:spPr bwMode="auto"/>
+        <p:txBody>
+          <a:bodyPr/>
+          <a:lstStyle/>
+          <a:p>
+            <a:pPr>
+              <a:defRPr/>
+            </a:pPr>
             <a:fld id="{BCC18F51-09EC-435C-A3BA-64A766E099C0}" type="datetimeFigureOut">
-              <a:rPr lang="zh-CN" smtClean="0"/>
+              <a:rPr lang="zh-CN"/>
               <a:t>30.10.2013</a:t>
             </a:fld>
             <a:endParaRPr lang="zh-CN"/>
@@ -1049,7 +1117,7 @@
       </p:sp>
       <p:sp>
         <p:nvSpPr>
-          <p:cNvPr id="5" name="Footer Placeholder 4"/>
+          <p:cNvPr id="977209078" name="Footer Placeholder 4"/>
           <p:cNvSpPr>
             <a:spLocks noGrp="1"/>
           </p:cNvSpPr>
@@ -1057,18 +1125,21 @@
             <p:ph type="ftr" sz="quarter" idx="11"/>
           </p:nvPr>
         </p:nvSpPr>
-        <p:spPr/>
-        <p:txBody>
-          <a:bodyPr/>
-          <a:lstStyle/>
-          <a:p>
-            <a:endParaRPr lang="zh-CN"/>
-          </a:p>
-        </p:txBody>
-      </p:sp>
-      <p:sp>
-        <p:nvSpPr>
-          <p:cNvPr id="6" name="Slide Number Placeholder 5"/>
+        <p:spPr bwMode="auto"/>
+        <p:txBody>
+          <a:bodyPr/>
+          <a:lstStyle/>
+          <a:p>
+            <a:pPr>
+              <a:defRPr/>
+            </a:pPr>
+            <a:endParaRPr lang="zh-CN"/>
+          </a:p>
+        </p:txBody>
+      </p:sp>
+      <p:sp>
+        <p:nvSpPr>
+          <p:cNvPr id="431157410" name="Slide Number Placeholder 5"/>
           <p:cNvSpPr>
             <a:spLocks noGrp="1"/>
           </p:cNvSpPr>
@@ -1076,13 +1147,16 @@
             <p:ph type="sldNum" sz="quarter" idx="12"/>
           </p:nvPr>
         </p:nvSpPr>
-        <p:spPr/>
-        <p:txBody>
-          <a:bodyPr/>
-          <a:lstStyle/>
-          <a:p>
+        <p:spPr bwMode="auto"/>
+        <p:txBody>
+          <a:bodyPr/>
+          <a:lstStyle/>
+          <a:p>
+            <a:pPr>
+              <a:defRPr/>
+            </a:pPr>
             <a:fld id="{08395586-F03A-48D1-94DF-16B239DF4FB5}" type="slidenum">
-              <a:rPr lang="zh-CN" smtClean="0"/>
+              <a:rPr lang="zh-CN"/>
               <a:t>‹#›</a:t>
             </a:fld>
             <a:endParaRPr lang="zh-CN"/>
@@ -1090,11 +1164,6 @@
         </p:txBody>
       </p:sp>
     </p:spTree>
-    <p:extLst>
-      <p:ext uri="{BB962C8B-B14F-4D97-AF65-F5344CB8AC3E}">
-        <p14:creationId xmlns:p14="http://schemas.microsoft.com/office/powerpoint/2010/main" val="4161801277"/>
-      </p:ext>
-    </p:extLst>
   </p:cSld>
   <p:clrMapOvr>
     <a:masterClrMapping/>
@@ -1103,7 +1172,7 @@
 </file>
 
 <file path=ppt/slideLayouts/slideLayout2.xml><?xml version="1.0" encoding="utf-8"?>
-<p:sldLayout xmlns:a="http://schemas.openxmlformats.org/drawingml/2006/main" xmlns:r="http://schemas.openxmlformats.org/officeDocument/2006/relationships" xmlns:p="http://schemas.openxmlformats.org/presentationml/2006/main" type="obj" preserve="1">
+<p:sldLayout xmlns:a="http://schemas.openxmlformats.org/drawingml/2006/main" xmlns:r="http://schemas.openxmlformats.org/officeDocument/2006/relationships" xmlns:p="http://schemas.openxmlformats.org/presentationml/2006/main" xmlns:m="http://schemas.openxmlformats.org/officeDocument/2006/math" xmlns:w="http://schemas.openxmlformats.org/wordprocessingml/2006/main" matchingName="" preserve="1" showMasterPhAnim="0" showMasterSp="1" type="obj" userDrawn="1">
   <p:cSld name="Title and Content">
     <p:spTree>
       <p:nvGrpSpPr>
@@ -1111,7 +1180,7 @@
         <p:cNvGrpSpPr/>
         <p:nvPr/>
       </p:nvGrpSpPr>
-      <p:grpSpPr>
+      <p:grpSpPr bwMode="auto">
         <a:xfrm>
           <a:off x="0" y="0"/>
           <a:ext cx="0" cy="0"/>
@@ -1121,7 +1190,7 @@
       </p:grpSpPr>
       <p:sp>
         <p:nvSpPr>
-          <p:cNvPr id="2" name="Title 1"/>
+          <p:cNvPr id="421125721" name="Title 1"/>
           <p:cNvSpPr>
             <a:spLocks noGrp="1"/>
           </p:cNvSpPr>
@@ -1129,22 +1198,25 @@
             <p:ph type="title"/>
           </p:nvPr>
         </p:nvSpPr>
-        <p:spPr/>
-        <p:txBody>
-          <a:bodyPr/>
-          <a:lstStyle/>
-          <a:p>
-            <a:r>
-              <a:rPr lang="zh-CN" smtClean="0"/>
+        <p:spPr bwMode="auto"/>
+        <p:txBody>
+          <a:bodyPr/>
+          <a:lstStyle/>
+          <a:p>
+            <a:pPr>
+              <a:defRPr/>
+            </a:pPr>
+            <a:r>
+              <a:rPr lang="zh-CN"/>
               <a:t>Click to edit Master title style</a:t>
             </a:r>
-            <a:endParaRPr lang="zh-CN" dirty="0"/>
-          </a:p>
-        </p:txBody>
-      </p:sp>
-      <p:sp>
-        <p:nvSpPr>
-          <p:cNvPr id="3" name="Content Placeholder 2"/>
+            <a:endParaRPr lang="zh-CN"/>
+          </a:p>
+        </p:txBody>
+      </p:sp>
+      <p:sp>
+        <p:nvSpPr>
+          <p:cNvPr id="665012651" name="Content Placeholder 2"/>
           <p:cNvSpPr>
             <a:spLocks noGrp="1"/>
           </p:cNvSpPr>
@@ -1152,51 +1224,65 @@
             <p:ph idx="1"/>
           </p:nvPr>
         </p:nvSpPr>
-        <p:spPr/>
-        <p:txBody>
-          <a:bodyPr/>
-          <a:lstStyle/>
-          <a:p>
-            <a:pPr lvl="0"/>
-            <a:r>
-              <a:rPr lang="zh-CN" smtClean="0"/>
+        <p:spPr bwMode="auto"/>
+        <p:txBody>
+          <a:bodyPr/>
+          <a:lstStyle/>
+          <a:p>
+            <a:pPr lvl="0">
+              <a:defRPr/>
+            </a:pPr>
+            <a:r>
+              <a:rPr lang="zh-CN"/>
               <a:t>Click to edit Master text styles</a:t>
             </a:r>
-          </a:p>
-          <a:p>
-            <a:pPr lvl="1"/>
-            <a:r>
-              <a:rPr lang="zh-CN" smtClean="0"/>
+            <a:endParaRPr/>
+          </a:p>
+          <a:p>
+            <a:pPr lvl="1">
+              <a:defRPr/>
+            </a:pPr>
+            <a:r>
+              <a:rPr lang="zh-CN"/>
               <a:t>Second level</a:t>
             </a:r>
-          </a:p>
-          <a:p>
-            <a:pPr lvl="2"/>
-            <a:r>
-              <a:rPr lang="zh-CN" smtClean="0"/>
+            <a:endParaRPr/>
+          </a:p>
+          <a:p>
+            <a:pPr lvl="2">
+              <a:defRPr/>
+            </a:pPr>
+            <a:r>
+              <a:rPr lang="zh-CN"/>
               <a:t>Third level</a:t>
             </a:r>
-          </a:p>
-          <a:p>
-            <a:pPr lvl="3"/>
-            <a:r>
-              <a:rPr lang="zh-CN" smtClean="0"/>
+            <a:endParaRPr/>
+          </a:p>
+          <a:p>
+            <a:pPr lvl="3">
+              <a:defRPr/>
+            </a:pPr>
+            <a:r>
+              <a:rPr lang="zh-CN"/>
               <a:t>Fourth level</a:t>
             </a:r>
-          </a:p>
-          <a:p>
-            <a:pPr lvl="4"/>
-            <a:r>
-              <a:rPr lang="zh-CN" smtClean="0"/>
+            <a:endParaRPr/>
+          </a:p>
+          <a:p>
+            <a:pPr lvl="4">
+              <a:defRPr/>
+            </a:pPr>
+            <a:r>
+              <a:rPr lang="zh-CN"/>
               <a:t>Fifth level</a:t>
             </a:r>
-            <a:endParaRPr lang="zh-CN" dirty="0"/>
-          </a:p>
-        </p:txBody>
-      </p:sp>
-      <p:sp>
-        <p:nvSpPr>
-          <p:cNvPr id="4" name="Date Placeholder 3"/>
+            <a:endParaRPr lang="zh-CN"/>
+          </a:p>
+        </p:txBody>
+      </p:sp>
+      <p:sp>
+        <p:nvSpPr>
+          <p:cNvPr id="123473562" name="Date Placeholder 3"/>
           <p:cNvSpPr>
             <a:spLocks noGrp="1"/>
           </p:cNvSpPr>
@@ -1204,13 +1290,16 @@
             <p:ph type="dt" sz="half" idx="10"/>
           </p:nvPr>
         </p:nvSpPr>
-        <p:spPr/>
-        <p:txBody>
-          <a:bodyPr/>
-          <a:lstStyle/>
-          <a:p>
+        <p:spPr bwMode="auto"/>
+        <p:txBody>
+          <a:bodyPr/>
+          <a:lstStyle/>
+          <a:p>
+            <a:pPr>
+              <a:defRPr/>
+            </a:pPr>
             <a:fld id="{BCC18F51-09EC-435C-A3BA-64A766E099C0}" type="datetimeFigureOut">
-              <a:rPr lang="zh-CN" smtClean="0"/>
+              <a:rPr lang="zh-CN"/>
               <a:t>30.10.2013</a:t>
             </a:fld>
             <a:endParaRPr lang="zh-CN"/>
@@ -1219,7 +1308,7 @@
       </p:sp>
       <p:sp>
         <p:nvSpPr>
-          <p:cNvPr id="5" name="Footer Placeholder 4"/>
+          <p:cNvPr id="207730871" name="Footer Placeholder 4"/>
           <p:cNvSpPr>
             <a:spLocks noGrp="1"/>
           </p:cNvSpPr>
@@ -1227,18 +1316,21 @@
             <p:ph type="ftr" sz="quarter" idx="11"/>
           </p:nvPr>
         </p:nvSpPr>
-        <p:spPr/>
-        <p:txBody>
-          <a:bodyPr/>
-          <a:lstStyle/>
-          <a:p>
-            <a:endParaRPr lang="zh-CN"/>
-          </a:p>
-        </p:txBody>
-      </p:sp>
-      <p:sp>
-        <p:nvSpPr>
-          <p:cNvPr id="6" name="Slide Number Placeholder 5"/>
+        <p:spPr bwMode="auto"/>
+        <p:txBody>
+          <a:bodyPr/>
+          <a:lstStyle/>
+          <a:p>
+            <a:pPr>
+              <a:defRPr/>
+            </a:pPr>
+            <a:endParaRPr lang="zh-CN"/>
+          </a:p>
+        </p:txBody>
+      </p:sp>
+      <p:sp>
+        <p:nvSpPr>
+          <p:cNvPr id="1513176787" name="Slide Number Placeholder 5"/>
           <p:cNvSpPr>
             <a:spLocks noGrp="1"/>
           </p:cNvSpPr>
@@ -1246,13 +1338,16 @@
             <p:ph type="sldNum" sz="quarter" idx="12"/>
           </p:nvPr>
         </p:nvSpPr>
-        <p:spPr/>
-        <p:txBody>
-          <a:bodyPr/>
-          <a:lstStyle/>
-          <a:p>
+        <p:spPr bwMode="auto"/>
+        <p:txBody>
+          <a:bodyPr/>
+          <a:lstStyle/>
+          <a:p>
+            <a:pPr>
+              <a:defRPr/>
+            </a:pPr>
             <a:fld id="{08395586-F03A-48D1-94DF-16B239DF4FB5}" type="slidenum">
-              <a:rPr lang="zh-CN" smtClean="0"/>
+              <a:rPr lang="zh-CN"/>
               <a:t>‹#›</a:t>
             </a:fld>
             <a:endParaRPr lang="zh-CN"/>
@@ -1260,11 +1355,6 @@
         </p:txBody>
       </p:sp>
     </p:spTree>
-    <p:extLst>
-      <p:ext uri="{BB962C8B-B14F-4D97-AF65-F5344CB8AC3E}">
-        <p14:creationId xmlns:p14="http://schemas.microsoft.com/office/powerpoint/2010/main" val="2960619921"/>
-      </p:ext>
-    </p:extLst>
   </p:cSld>
   <p:clrMapOvr>
     <a:masterClrMapping/>
@@ -1273,7 +1363,7 @@
 </file>
 
 <file path=ppt/slideLayouts/slideLayout3.xml><?xml version="1.0" encoding="utf-8"?>
-<p:sldLayout xmlns:a="http://schemas.openxmlformats.org/drawingml/2006/main" xmlns:r="http://schemas.openxmlformats.org/officeDocument/2006/relationships" xmlns:p="http://schemas.openxmlformats.org/presentationml/2006/main" type="secHead" preserve="1">
+<p:sldLayout xmlns:a="http://schemas.openxmlformats.org/drawingml/2006/main" xmlns:r="http://schemas.openxmlformats.org/officeDocument/2006/relationships" xmlns:p="http://schemas.openxmlformats.org/presentationml/2006/main" xmlns:m="http://schemas.openxmlformats.org/officeDocument/2006/math" xmlns:w="http://schemas.openxmlformats.org/wordprocessingml/2006/main" matchingName="" preserve="1" showMasterPhAnim="0" showMasterSp="1" type="secHead" userDrawn="1">
   <p:cSld name="Section Header">
     <p:spTree>
       <p:nvGrpSpPr>
@@ -1281,7 +1371,7 @@
         <p:cNvGrpSpPr/>
         <p:nvPr/>
       </p:nvGrpSpPr>
-      <p:grpSpPr>
+      <p:grpSpPr bwMode="auto">
         <a:xfrm>
           <a:off x="0" y="0"/>
           <a:ext cx="0" cy="0"/>
@@ -1291,7 +1381,7 @@
       </p:grpSpPr>
       <p:sp>
         <p:nvSpPr>
-          <p:cNvPr id="2" name="Title 1"/>
+          <p:cNvPr id="542182457" name="Title 1"/>
           <p:cNvSpPr>
             <a:spLocks noGrp="1"/>
           </p:cNvSpPr>
@@ -1299,7 +1389,7 @@
             <p:ph type="title"/>
           </p:nvPr>
         </p:nvSpPr>
-        <p:spPr>
+        <p:spPr bwMode="auto">
           <a:xfrm>
             <a:off x="831850" y="1709738"/>
             <a:ext cx="10515600" cy="2852737"/>
@@ -1313,17 +1403,20 @@
             </a:lvl1pPr>
           </a:lstStyle>
           <a:p>
-            <a:r>
-              <a:rPr lang="zh-CN" smtClean="0"/>
+            <a:pPr>
+              <a:defRPr/>
+            </a:pPr>
+            <a:r>
+              <a:rPr lang="zh-CN"/>
               <a:t>Click to edit Master title style</a:t>
             </a:r>
-            <a:endParaRPr lang="zh-CN" dirty="0"/>
-          </a:p>
-        </p:txBody>
-      </p:sp>
-      <p:sp>
-        <p:nvSpPr>
-          <p:cNvPr id="3" name="Text Placeholder 2"/>
+            <a:endParaRPr lang="zh-CN"/>
+          </a:p>
+        </p:txBody>
+      </p:sp>
+      <p:sp>
+        <p:nvSpPr>
+          <p:cNvPr id="1830510895" name="Text Placeholder 2"/>
           <p:cNvSpPr>
             <a:spLocks noGrp="1"/>
           </p:cNvSpPr>
@@ -1331,7 +1424,7 @@
             <p:ph type="body" idx="1"/>
           </p:nvPr>
         </p:nvSpPr>
-        <p:spPr>
+        <p:spPr bwMode="auto">
           <a:xfrm>
             <a:off x="831850" y="4589463"/>
             <a:ext cx="10515600" cy="1500187"/>
@@ -1432,17 +1525,20 @@
             </a:lvl9pPr>
           </a:lstStyle>
           <a:p>
-            <a:pPr lvl="0"/>
-            <a:r>
-              <a:rPr lang="zh-CN" smtClean="0"/>
+            <a:pPr lvl="0">
+              <a:defRPr/>
+            </a:pPr>
+            <a:r>
+              <a:rPr lang="zh-CN"/>
               <a:t>Click to edit Master text styles</a:t>
             </a:r>
-          </a:p>
-        </p:txBody>
-      </p:sp>
-      <p:sp>
-        <p:nvSpPr>
-          <p:cNvPr id="4" name="Date Placeholder 3"/>
+            <a:endParaRPr/>
+          </a:p>
+        </p:txBody>
+      </p:sp>
+      <p:sp>
+        <p:nvSpPr>
+          <p:cNvPr id="1028891342" name="Date Placeholder 3"/>
           <p:cNvSpPr>
             <a:spLocks noGrp="1"/>
           </p:cNvSpPr>
@@ -1450,13 +1546,16 @@
             <p:ph type="dt" sz="half" idx="10"/>
           </p:nvPr>
         </p:nvSpPr>
-        <p:spPr/>
-        <p:txBody>
-          <a:bodyPr/>
-          <a:lstStyle/>
-          <a:p>
+        <p:spPr bwMode="auto"/>
+        <p:txBody>
+          <a:bodyPr/>
+          <a:lstStyle/>
+          <a:p>
+            <a:pPr>
+              <a:defRPr/>
+            </a:pPr>
             <a:fld id="{BCC18F51-09EC-435C-A3BA-64A766E099C0}" type="datetimeFigureOut">
-              <a:rPr lang="zh-CN" smtClean="0"/>
+              <a:rPr lang="zh-CN"/>
               <a:t>30.10.2013</a:t>
             </a:fld>
             <a:endParaRPr lang="zh-CN"/>
@@ -1465,7 +1564,7 @@
       </p:sp>
       <p:sp>
         <p:nvSpPr>
-          <p:cNvPr id="5" name="Footer Placeholder 4"/>
+          <p:cNvPr id="83429500" name="Footer Placeholder 4"/>
           <p:cNvSpPr>
             <a:spLocks noGrp="1"/>
           </p:cNvSpPr>
@@ -1473,18 +1572,21 @@
             <p:ph type="ftr" sz="quarter" idx="11"/>
           </p:nvPr>
         </p:nvSpPr>
-        <p:spPr/>
-        <p:txBody>
-          <a:bodyPr/>
-          <a:lstStyle/>
-          <a:p>
-            <a:endParaRPr lang="zh-CN"/>
-          </a:p>
-        </p:txBody>
-      </p:sp>
-      <p:sp>
-        <p:nvSpPr>
-          <p:cNvPr id="6" name="Slide Number Placeholder 5"/>
+        <p:spPr bwMode="auto"/>
+        <p:txBody>
+          <a:bodyPr/>
+          <a:lstStyle/>
+          <a:p>
+            <a:pPr>
+              <a:defRPr/>
+            </a:pPr>
+            <a:endParaRPr lang="zh-CN"/>
+          </a:p>
+        </p:txBody>
+      </p:sp>
+      <p:sp>
+        <p:nvSpPr>
+          <p:cNvPr id="281999118" name="Slide Number Placeholder 5"/>
           <p:cNvSpPr>
             <a:spLocks noGrp="1"/>
           </p:cNvSpPr>
@@ -1492,13 +1594,16 @@
             <p:ph type="sldNum" sz="quarter" idx="12"/>
           </p:nvPr>
         </p:nvSpPr>
-        <p:spPr/>
-        <p:txBody>
-          <a:bodyPr/>
-          <a:lstStyle/>
-          <a:p>
+        <p:spPr bwMode="auto"/>
+        <p:txBody>
+          <a:bodyPr/>
+          <a:lstStyle/>
+          <a:p>
+            <a:pPr>
+              <a:defRPr/>
+            </a:pPr>
             <a:fld id="{08395586-F03A-48D1-94DF-16B239DF4FB5}" type="slidenum">
-              <a:rPr lang="zh-CN" smtClean="0"/>
+              <a:rPr lang="zh-CN"/>
               <a:t>‹#›</a:t>
             </a:fld>
             <a:endParaRPr lang="zh-CN"/>
@@ -1506,11 +1611,6 @@
         </p:txBody>
       </p:sp>
     </p:spTree>
-    <p:extLst>
-      <p:ext uri="{BB962C8B-B14F-4D97-AF65-F5344CB8AC3E}">
-        <p14:creationId xmlns:p14="http://schemas.microsoft.com/office/powerpoint/2010/main" val="2072125890"/>
-      </p:ext>
-    </p:extLst>
   </p:cSld>
   <p:clrMapOvr>
     <a:masterClrMapping/>
@@ -1519,7 +1619,7 @@
 </file>
 
 <file path=ppt/slideLayouts/slideLayout4.xml><?xml version="1.0" encoding="utf-8"?>
-<p:sldLayout xmlns:a="http://schemas.openxmlformats.org/drawingml/2006/main" xmlns:r="http://schemas.openxmlformats.org/officeDocument/2006/relationships" xmlns:p="http://schemas.openxmlformats.org/presentationml/2006/main" type="twoObj" preserve="1">
+<p:sldLayout xmlns:a="http://schemas.openxmlformats.org/drawingml/2006/main" xmlns:r="http://schemas.openxmlformats.org/officeDocument/2006/relationships" xmlns:p="http://schemas.openxmlformats.org/presentationml/2006/main" xmlns:m="http://schemas.openxmlformats.org/officeDocument/2006/math" xmlns:w="http://schemas.openxmlformats.org/wordprocessingml/2006/main" matchingName="" preserve="1" showMasterPhAnim="0" showMasterSp="1" type="twoObj" userDrawn="1">
   <p:cSld name="Two Content">
     <p:spTree>
       <p:nvGrpSpPr>
@@ -1527,7 +1627,7 @@
         <p:cNvGrpSpPr/>
         <p:nvPr/>
       </p:nvGrpSpPr>
-      <p:grpSpPr>
+      <p:grpSpPr bwMode="auto">
         <a:xfrm>
           <a:off x="0" y="0"/>
           <a:ext cx="0" cy="0"/>
@@ -1537,7 +1637,7 @@
       </p:grpSpPr>
       <p:sp>
         <p:nvSpPr>
-          <p:cNvPr id="2" name="Title 1"/>
+          <p:cNvPr id="1628266987" name="Title 1"/>
           <p:cNvSpPr>
             <a:spLocks noGrp="1"/>
           </p:cNvSpPr>
@@ -1545,22 +1645,25 @@
             <p:ph type="title"/>
           </p:nvPr>
         </p:nvSpPr>
-        <p:spPr/>
-        <p:txBody>
-          <a:bodyPr/>
-          <a:lstStyle/>
-          <a:p>
-            <a:r>
-              <a:rPr lang="zh-CN" smtClean="0"/>
+        <p:spPr bwMode="auto"/>
+        <p:txBody>
+          <a:bodyPr/>
+          <a:lstStyle/>
+          <a:p>
+            <a:pPr>
+              <a:defRPr/>
+            </a:pPr>
+            <a:r>
+              <a:rPr lang="zh-CN"/>
               <a:t>Click to edit Master title style</a:t>
             </a:r>
-            <a:endParaRPr lang="zh-CN" dirty="0"/>
-          </a:p>
-        </p:txBody>
-      </p:sp>
-      <p:sp>
-        <p:nvSpPr>
-          <p:cNvPr id="3" name="Content Placeholder 2"/>
+            <a:endParaRPr lang="zh-CN"/>
+          </a:p>
+        </p:txBody>
+      </p:sp>
+      <p:sp>
+        <p:nvSpPr>
+          <p:cNvPr id="1809361996" name="Content Placeholder 2"/>
           <p:cNvSpPr>
             <a:spLocks noGrp="1"/>
           </p:cNvSpPr>
@@ -1568,7 +1671,7 @@
             <p:ph sz="half" idx="1"/>
           </p:nvPr>
         </p:nvSpPr>
-        <p:spPr>
+        <p:spPr bwMode="auto">
           <a:xfrm>
             <a:off x="838200" y="1825625"/>
             <a:ext cx="5181600" cy="4351338"/>
@@ -1578,46 +1681,60 @@
           <a:bodyPr/>
           <a:lstStyle/>
           <a:p>
-            <a:pPr lvl="0"/>
-            <a:r>
-              <a:rPr lang="zh-CN" smtClean="0"/>
+            <a:pPr lvl="0">
+              <a:defRPr/>
+            </a:pPr>
+            <a:r>
+              <a:rPr lang="zh-CN"/>
               <a:t>Click to edit Master text styles</a:t>
             </a:r>
-          </a:p>
-          <a:p>
-            <a:pPr lvl="1"/>
-            <a:r>
-              <a:rPr lang="zh-CN" smtClean="0"/>
+            <a:endParaRPr/>
+          </a:p>
+          <a:p>
+            <a:pPr lvl="1">
+              <a:defRPr/>
+            </a:pPr>
+            <a:r>
+              <a:rPr lang="zh-CN"/>
               <a:t>Second level</a:t>
             </a:r>
-          </a:p>
-          <a:p>
-            <a:pPr lvl="2"/>
-            <a:r>
-              <a:rPr lang="zh-CN" smtClean="0"/>
+            <a:endParaRPr/>
+          </a:p>
+          <a:p>
+            <a:pPr lvl="2">
+              <a:defRPr/>
+            </a:pPr>
+            <a:r>
+              <a:rPr lang="zh-CN"/>
               <a:t>Third level</a:t>
             </a:r>
-          </a:p>
-          <a:p>
-            <a:pPr lvl="3"/>
-            <a:r>
-              <a:rPr lang="zh-CN" smtClean="0"/>
+            <a:endParaRPr/>
+          </a:p>
+          <a:p>
+            <a:pPr lvl="3">
+              <a:defRPr/>
+            </a:pPr>
+            <a:r>
+              <a:rPr lang="zh-CN"/>
               <a:t>Fourth level</a:t>
             </a:r>
-          </a:p>
-          <a:p>
-            <a:pPr lvl="4"/>
-            <a:r>
-              <a:rPr lang="zh-CN" smtClean="0"/>
+            <a:endParaRPr/>
+          </a:p>
+          <a:p>
+            <a:pPr lvl="4">
+              <a:defRPr/>
+            </a:pPr>
+            <a:r>
+              <a:rPr lang="zh-CN"/>
               <a:t>Fifth level</a:t>
             </a:r>
-            <a:endParaRPr lang="zh-CN" dirty="0"/>
-          </a:p>
-        </p:txBody>
-      </p:sp>
-      <p:sp>
-        <p:nvSpPr>
-          <p:cNvPr id="4" name="Content Placeholder 3"/>
+            <a:endParaRPr lang="zh-CN"/>
+          </a:p>
+        </p:txBody>
+      </p:sp>
+      <p:sp>
+        <p:nvSpPr>
+          <p:cNvPr id="90516450" name="Content Placeholder 3"/>
           <p:cNvSpPr>
             <a:spLocks noGrp="1"/>
           </p:cNvSpPr>
@@ -1625,7 +1742,7 @@
             <p:ph sz="half" idx="2"/>
           </p:nvPr>
         </p:nvSpPr>
-        <p:spPr>
+        <p:spPr bwMode="auto">
           <a:xfrm>
             <a:off x="6172200" y="1825625"/>
             <a:ext cx="5181600" cy="4351338"/>
@@ -1635,46 +1752,60 @@
           <a:bodyPr/>
           <a:lstStyle/>
           <a:p>
-            <a:pPr lvl="0"/>
-            <a:r>
-              <a:rPr lang="zh-CN" smtClean="0"/>
+            <a:pPr lvl="0">
+              <a:defRPr/>
+            </a:pPr>
+            <a:r>
+              <a:rPr lang="zh-CN"/>
               <a:t>Click to edit Master text styles</a:t>
             </a:r>
-          </a:p>
-          <a:p>
-            <a:pPr lvl="1"/>
-            <a:r>
-              <a:rPr lang="zh-CN" smtClean="0"/>
+            <a:endParaRPr/>
+          </a:p>
+          <a:p>
+            <a:pPr lvl="1">
+              <a:defRPr/>
+            </a:pPr>
+            <a:r>
+              <a:rPr lang="zh-CN"/>
               <a:t>Second level</a:t>
             </a:r>
-          </a:p>
-          <a:p>
-            <a:pPr lvl="2"/>
-            <a:r>
-              <a:rPr lang="zh-CN" smtClean="0"/>
+            <a:endParaRPr/>
+          </a:p>
+          <a:p>
+            <a:pPr lvl="2">
+              <a:defRPr/>
+            </a:pPr>
+            <a:r>
+              <a:rPr lang="zh-CN"/>
               <a:t>Third level</a:t>
             </a:r>
-          </a:p>
-          <a:p>
-            <a:pPr lvl="3"/>
-            <a:r>
-              <a:rPr lang="zh-CN" smtClean="0"/>
+            <a:endParaRPr/>
+          </a:p>
+          <a:p>
+            <a:pPr lvl="3">
+              <a:defRPr/>
+            </a:pPr>
+            <a:r>
+              <a:rPr lang="zh-CN"/>
               <a:t>Fourth level</a:t>
             </a:r>
-          </a:p>
-          <a:p>
-            <a:pPr lvl="4"/>
-            <a:r>
-              <a:rPr lang="zh-CN" smtClean="0"/>
+            <a:endParaRPr/>
+          </a:p>
+          <a:p>
+            <a:pPr lvl="4">
+              <a:defRPr/>
+            </a:pPr>
+            <a:r>
+              <a:rPr lang="zh-CN"/>
               <a:t>Fifth level</a:t>
             </a:r>
-            <a:endParaRPr lang="zh-CN" dirty="0"/>
-          </a:p>
-        </p:txBody>
-      </p:sp>
-      <p:sp>
-        <p:nvSpPr>
-          <p:cNvPr id="5" name="Date Placeholder 4"/>
+            <a:endParaRPr lang="zh-CN"/>
+          </a:p>
+        </p:txBody>
+      </p:sp>
+      <p:sp>
+        <p:nvSpPr>
+          <p:cNvPr id="236933850" name="Date Placeholder 4"/>
           <p:cNvSpPr>
             <a:spLocks noGrp="1"/>
           </p:cNvSpPr>
@@ -1682,13 +1813,16 @@
             <p:ph type="dt" sz="half" idx="10"/>
           </p:nvPr>
         </p:nvSpPr>
-        <p:spPr/>
-        <p:txBody>
-          <a:bodyPr/>
-          <a:lstStyle/>
-          <a:p>
+        <p:spPr bwMode="auto"/>
+        <p:txBody>
+          <a:bodyPr/>
+          <a:lstStyle/>
+          <a:p>
+            <a:pPr>
+              <a:defRPr/>
+            </a:pPr>
             <a:fld id="{BCC18F51-09EC-435C-A3BA-64A766E099C0}" type="datetimeFigureOut">
-              <a:rPr lang="zh-CN" smtClean="0"/>
+              <a:rPr lang="zh-CN"/>
               <a:t>30.10.2013</a:t>
             </a:fld>
             <a:endParaRPr lang="zh-CN"/>
@@ -1697,7 +1831,7 @@
       </p:sp>
       <p:sp>
         <p:nvSpPr>
-          <p:cNvPr id="6" name="Footer Placeholder 5"/>
+          <p:cNvPr id="1739630649" name="Footer Placeholder 5"/>
           <p:cNvSpPr>
             <a:spLocks noGrp="1"/>
           </p:cNvSpPr>
@@ -1705,18 +1839,21 @@
             <p:ph type="ftr" sz="quarter" idx="11"/>
           </p:nvPr>
         </p:nvSpPr>
-        <p:spPr/>
-        <p:txBody>
-          <a:bodyPr/>
-          <a:lstStyle/>
-          <a:p>
-            <a:endParaRPr lang="zh-CN"/>
-          </a:p>
-        </p:txBody>
-      </p:sp>
-      <p:sp>
-        <p:nvSpPr>
-          <p:cNvPr id="7" name="Slide Number Placeholder 6"/>
+        <p:spPr bwMode="auto"/>
+        <p:txBody>
+          <a:bodyPr/>
+          <a:lstStyle/>
+          <a:p>
+            <a:pPr>
+              <a:defRPr/>
+            </a:pPr>
+            <a:endParaRPr lang="zh-CN"/>
+          </a:p>
+        </p:txBody>
+      </p:sp>
+      <p:sp>
+        <p:nvSpPr>
+          <p:cNvPr id="1034111686" name="Slide Number Placeholder 6"/>
           <p:cNvSpPr>
             <a:spLocks noGrp="1"/>
           </p:cNvSpPr>
@@ -1724,13 +1861,16 @@
             <p:ph type="sldNum" sz="quarter" idx="12"/>
           </p:nvPr>
         </p:nvSpPr>
-        <p:spPr/>
-        <p:txBody>
-          <a:bodyPr/>
-          <a:lstStyle/>
-          <a:p>
+        <p:spPr bwMode="auto"/>
+        <p:txBody>
+          <a:bodyPr/>
+          <a:lstStyle/>
+          <a:p>
+            <a:pPr>
+              <a:defRPr/>
+            </a:pPr>
             <a:fld id="{08395586-F03A-48D1-94DF-16B239DF4FB5}" type="slidenum">
-              <a:rPr lang="zh-CN" smtClean="0"/>
+              <a:rPr lang="zh-CN"/>
               <a:t>‹#›</a:t>
             </a:fld>
             <a:endParaRPr lang="zh-CN"/>
@@ -1738,11 +1878,6 @@
         </p:txBody>
       </p:sp>
     </p:spTree>
-    <p:extLst>
-      <p:ext uri="{BB962C8B-B14F-4D97-AF65-F5344CB8AC3E}">
-        <p14:creationId xmlns:p14="http://schemas.microsoft.com/office/powerpoint/2010/main" val="4243403397"/>
-      </p:ext>
-    </p:extLst>
   </p:cSld>
   <p:clrMapOvr>
     <a:masterClrMapping/>
@@ -1751,7 +1886,7 @@
 </file>
 
 <file path=ppt/slideLayouts/slideLayout5.xml><?xml version="1.0" encoding="utf-8"?>
-<p:sldLayout xmlns:a="http://schemas.openxmlformats.org/drawingml/2006/main" xmlns:r="http://schemas.openxmlformats.org/officeDocument/2006/relationships" xmlns:p="http://schemas.openxmlformats.org/presentationml/2006/main" type="twoTxTwoObj" preserve="1">
+<p:sldLayout xmlns:a="http://schemas.openxmlformats.org/drawingml/2006/main" xmlns:r="http://schemas.openxmlformats.org/officeDocument/2006/relationships" xmlns:p="http://schemas.openxmlformats.org/presentationml/2006/main" xmlns:m="http://schemas.openxmlformats.org/officeDocument/2006/math" xmlns:w="http://schemas.openxmlformats.org/wordprocessingml/2006/main" matchingName="" preserve="1" showMasterPhAnim="0" showMasterSp="1" type="twoTxTwoObj" userDrawn="1">
   <p:cSld name="Comparison">
     <p:spTree>
       <p:nvGrpSpPr>
@@ -1759,7 +1894,7 @@
         <p:cNvGrpSpPr/>
         <p:nvPr/>
       </p:nvGrpSpPr>
-      <p:grpSpPr>
+      <p:grpSpPr bwMode="auto">
         <a:xfrm>
           <a:off x="0" y="0"/>
           <a:ext cx="0" cy="0"/>
@@ -1769,7 +1904,7 @@
       </p:grpSpPr>
       <p:sp>
         <p:nvSpPr>
-          <p:cNvPr id="2" name="Title 1"/>
+          <p:cNvPr id="1389875812" name="Title 1"/>
           <p:cNvSpPr>
             <a:spLocks noGrp="1"/>
           </p:cNvSpPr>
@@ -1777,7 +1912,7 @@
             <p:ph type="title"/>
           </p:nvPr>
         </p:nvSpPr>
-        <p:spPr>
+        <p:spPr bwMode="auto">
           <a:xfrm>
             <a:off x="839788" y="365125"/>
             <a:ext cx="10515600" cy="1325563"/>
@@ -1787,17 +1922,20 @@
           <a:bodyPr/>
           <a:lstStyle/>
           <a:p>
-            <a:r>
-              <a:rPr lang="zh-CN" smtClean="0"/>
+            <a:pPr>
+              <a:defRPr/>
+            </a:pPr>
+            <a:r>
+              <a:rPr lang="zh-CN"/>
               <a:t>Click to edit Master title style</a:t>
             </a:r>
-            <a:endParaRPr lang="zh-CN" dirty="0"/>
-          </a:p>
-        </p:txBody>
-      </p:sp>
-      <p:sp>
-        <p:nvSpPr>
-          <p:cNvPr id="3" name="Text Placeholder 2"/>
+            <a:endParaRPr lang="zh-CN"/>
+          </a:p>
+        </p:txBody>
+      </p:sp>
+      <p:sp>
+        <p:nvSpPr>
+          <p:cNvPr id="265161974" name="Text Placeholder 2"/>
           <p:cNvSpPr>
             <a:spLocks noGrp="1"/>
           </p:cNvSpPr>
@@ -1805,7 +1943,7 @@
             <p:ph type="body" idx="1"/>
           </p:nvPr>
         </p:nvSpPr>
-        <p:spPr>
+        <p:spPr bwMode="auto">
           <a:xfrm>
             <a:off x="839788" y="1681163"/>
             <a:ext cx="5157787" cy="823912"/>
@@ -1852,17 +1990,20 @@
             </a:lvl9pPr>
           </a:lstStyle>
           <a:p>
-            <a:pPr lvl="0"/>
-            <a:r>
-              <a:rPr lang="zh-CN" smtClean="0"/>
+            <a:pPr lvl="0">
+              <a:defRPr/>
+            </a:pPr>
+            <a:r>
+              <a:rPr lang="zh-CN"/>
               <a:t>Click to edit Master text styles</a:t>
             </a:r>
-          </a:p>
-        </p:txBody>
-      </p:sp>
-      <p:sp>
-        <p:nvSpPr>
-          <p:cNvPr id="4" name="Content Placeholder 3"/>
+            <a:endParaRPr/>
+          </a:p>
+        </p:txBody>
+      </p:sp>
+      <p:sp>
+        <p:nvSpPr>
+          <p:cNvPr id="1854433795" name="Content Placeholder 3"/>
           <p:cNvSpPr>
             <a:spLocks noGrp="1"/>
           </p:cNvSpPr>
@@ -1870,9 +2011,9 @@
             <p:ph sz="half" idx="2"/>
           </p:nvPr>
         </p:nvSpPr>
-        <p:spPr>
+        <p:spPr bwMode="auto">
           <a:xfrm>
-            <a:off x="839788" y="2505075"/>
+            <a:off x="839788" y="2505074"/>
             <a:ext cx="5157787" cy="3684588"/>
           </a:xfrm>
         </p:spPr>
@@ -1880,46 +2021,60 @@
           <a:bodyPr/>
           <a:lstStyle/>
           <a:p>
-            <a:pPr lvl="0"/>
-            <a:r>
-              <a:rPr lang="zh-CN" smtClean="0"/>
+            <a:pPr lvl="0">
+              <a:defRPr/>
+            </a:pPr>
+            <a:r>
+              <a:rPr lang="zh-CN"/>
               <a:t>Click to edit Master text styles</a:t>
             </a:r>
-          </a:p>
-          <a:p>
-            <a:pPr lvl="1"/>
-            <a:r>
-              <a:rPr lang="zh-CN" smtClean="0"/>
+            <a:endParaRPr/>
+          </a:p>
+          <a:p>
+            <a:pPr lvl="1">
+              <a:defRPr/>
+            </a:pPr>
+            <a:r>
+              <a:rPr lang="zh-CN"/>
               <a:t>Second level</a:t>
             </a:r>
-          </a:p>
-          <a:p>
-            <a:pPr lvl="2"/>
-            <a:r>
-              <a:rPr lang="zh-CN" smtClean="0"/>
+            <a:endParaRPr/>
+          </a:p>
+          <a:p>
+            <a:pPr lvl="2">
+              <a:defRPr/>
+            </a:pPr>
+            <a:r>
+              <a:rPr lang="zh-CN"/>
               <a:t>Third level</a:t>
             </a:r>
-          </a:p>
-          <a:p>
-            <a:pPr lvl="3"/>
-            <a:r>
-              <a:rPr lang="zh-CN" smtClean="0"/>
+            <a:endParaRPr/>
+          </a:p>
+          <a:p>
+            <a:pPr lvl="3">
+              <a:defRPr/>
+            </a:pPr>
+            <a:r>
+              <a:rPr lang="zh-CN"/>
               <a:t>Fourth level</a:t>
             </a:r>
-          </a:p>
-          <a:p>
-            <a:pPr lvl="4"/>
-            <a:r>
-              <a:rPr lang="zh-CN" smtClean="0"/>
+            <a:endParaRPr/>
+          </a:p>
+          <a:p>
+            <a:pPr lvl="4">
+              <a:defRPr/>
+            </a:pPr>
+            <a:r>
+              <a:rPr lang="zh-CN"/>
               <a:t>Fifth level</a:t>
             </a:r>
-            <a:endParaRPr lang="zh-CN" dirty="0"/>
-          </a:p>
-        </p:txBody>
-      </p:sp>
-      <p:sp>
-        <p:nvSpPr>
-          <p:cNvPr id="5" name="Text Placeholder 4"/>
+            <a:endParaRPr lang="zh-CN"/>
+          </a:p>
+        </p:txBody>
+      </p:sp>
+      <p:sp>
+        <p:nvSpPr>
+          <p:cNvPr id="21414901" name="Text Placeholder 4"/>
           <p:cNvSpPr>
             <a:spLocks noGrp="1"/>
           </p:cNvSpPr>
@@ -1927,7 +2082,7 @@
             <p:ph type="body" sz="quarter" idx="3"/>
           </p:nvPr>
         </p:nvSpPr>
-        <p:spPr>
+        <p:spPr bwMode="auto">
           <a:xfrm>
             <a:off x="6172200" y="1681163"/>
             <a:ext cx="5183188" cy="823912"/>
@@ -1974,17 +2129,20 @@
             </a:lvl9pPr>
           </a:lstStyle>
           <a:p>
-            <a:pPr lvl="0"/>
-            <a:r>
-              <a:rPr lang="zh-CN" smtClean="0"/>
+            <a:pPr lvl="0">
+              <a:defRPr/>
+            </a:pPr>
+            <a:r>
+              <a:rPr lang="zh-CN"/>
               <a:t>Click to edit Master text styles</a:t>
             </a:r>
-          </a:p>
-        </p:txBody>
-      </p:sp>
-      <p:sp>
-        <p:nvSpPr>
-          <p:cNvPr id="6" name="Content Placeholder 5"/>
+            <a:endParaRPr/>
+          </a:p>
+        </p:txBody>
+      </p:sp>
+      <p:sp>
+        <p:nvSpPr>
+          <p:cNvPr id="149585165" name="Content Placeholder 5"/>
           <p:cNvSpPr>
             <a:spLocks noGrp="1"/>
           </p:cNvSpPr>
@@ -1992,9 +2150,9 @@
             <p:ph sz="quarter" idx="4"/>
           </p:nvPr>
         </p:nvSpPr>
-        <p:spPr>
+        <p:spPr bwMode="auto">
           <a:xfrm>
-            <a:off x="6172200" y="2505075"/>
+            <a:off x="6172200" y="2505074"/>
             <a:ext cx="5183188" cy="3684588"/>
           </a:xfrm>
         </p:spPr>
@@ -2002,46 +2160,60 @@
           <a:bodyPr/>
           <a:lstStyle/>
           <a:p>
-            <a:pPr lvl="0"/>
-            <a:r>
-              <a:rPr lang="zh-CN" smtClean="0"/>
+            <a:pPr lvl="0">
+              <a:defRPr/>
+            </a:pPr>
+            <a:r>
+              <a:rPr lang="zh-CN"/>
               <a:t>Click to edit Master text styles</a:t>
             </a:r>
-          </a:p>
-          <a:p>
-            <a:pPr lvl="1"/>
-            <a:r>
-              <a:rPr lang="zh-CN" smtClean="0"/>
+            <a:endParaRPr/>
+          </a:p>
+          <a:p>
+            <a:pPr lvl="1">
+              <a:defRPr/>
+            </a:pPr>
+            <a:r>
+              <a:rPr lang="zh-CN"/>
               <a:t>Second level</a:t>
             </a:r>
-          </a:p>
-          <a:p>
-            <a:pPr lvl="2"/>
-            <a:r>
-              <a:rPr lang="zh-CN" smtClean="0"/>
+            <a:endParaRPr/>
+          </a:p>
+          <a:p>
+            <a:pPr lvl="2">
+              <a:defRPr/>
+            </a:pPr>
+            <a:r>
+              <a:rPr lang="zh-CN"/>
               <a:t>Third level</a:t>
             </a:r>
-          </a:p>
-          <a:p>
-            <a:pPr lvl="3"/>
-            <a:r>
-              <a:rPr lang="zh-CN" smtClean="0"/>
+            <a:endParaRPr/>
+          </a:p>
+          <a:p>
+            <a:pPr lvl="3">
+              <a:defRPr/>
+            </a:pPr>
+            <a:r>
+              <a:rPr lang="zh-CN"/>
               <a:t>Fourth level</a:t>
             </a:r>
-          </a:p>
-          <a:p>
-            <a:pPr lvl="4"/>
-            <a:r>
-              <a:rPr lang="zh-CN" smtClean="0"/>
+            <a:endParaRPr/>
+          </a:p>
+          <a:p>
+            <a:pPr lvl="4">
+              <a:defRPr/>
+            </a:pPr>
+            <a:r>
+              <a:rPr lang="zh-CN"/>
               <a:t>Fifth level</a:t>
             </a:r>
-            <a:endParaRPr lang="zh-CN" dirty="0"/>
-          </a:p>
-        </p:txBody>
-      </p:sp>
-      <p:sp>
-        <p:nvSpPr>
-          <p:cNvPr id="7" name="Date Placeholder 6"/>
+            <a:endParaRPr lang="zh-CN"/>
+          </a:p>
+        </p:txBody>
+      </p:sp>
+      <p:sp>
+        <p:nvSpPr>
+          <p:cNvPr id="1746108761" name="Date Placeholder 6"/>
           <p:cNvSpPr>
             <a:spLocks noGrp="1"/>
           </p:cNvSpPr>
@@ -2049,13 +2221,16 @@
             <p:ph type="dt" sz="half" idx="10"/>
           </p:nvPr>
         </p:nvSpPr>
-        <p:spPr/>
-        <p:txBody>
-          <a:bodyPr/>
-          <a:lstStyle/>
-          <a:p>
+        <p:spPr bwMode="auto"/>
+        <p:txBody>
+          <a:bodyPr/>
+          <a:lstStyle/>
+          <a:p>
+            <a:pPr>
+              <a:defRPr/>
+            </a:pPr>
             <a:fld id="{BCC18F51-09EC-435C-A3BA-64A766E099C0}" type="datetimeFigureOut">
-              <a:rPr lang="zh-CN" smtClean="0"/>
+              <a:rPr lang="zh-CN"/>
               <a:t>30.10.2013</a:t>
             </a:fld>
             <a:endParaRPr lang="zh-CN"/>
@@ -2064,7 +2239,7 @@
       </p:sp>
       <p:sp>
         <p:nvSpPr>
-          <p:cNvPr id="8" name="Footer Placeholder 7"/>
+          <p:cNvPr id="2047543986" name="Footer Placeholder 7"/>
           <p:cNvSpPr>
             <a:spLocks noGrp="1"/>
           </p:cNvSpPr>
@@ -2072,18 +2247,21 @@
             <p:ph type="ftr" sz="quarter" idx="11"/>
           </p:nvPr>
         </p:nvSpPr>
-        <p:spPr/>
-        <p:txBody>
-          <a:bodyPr/>
-          <a:lstStyle/>
-          <a:p>
-            <a:endParaRPr lang="zh-CN"/>
-          </a:p>
-        </p:txBody>
-      </p:sp>
-      <p:sp>
-        <p:nvSpPr>
-          <p:cNvPr id="9" name="Slide Number Placeholder 8"/>
+        <p:spPr bwMode="auto"/>
+        <p:txBody>
+          <a:bodyPr/>
+          <a:lstStyle/>
+          <a:p>
+            <a:pPr>
+              <a:defRPr/>
+            </a:pPr>
+            <a:endParaRPr lang="zh-CN"/>
+          </a:p>
+        </p:txBody>
+      </p:sp>
+      <p:sp>
+        <p:nvSpPr>
+          <p:cNvPr id="2098727764" name="Slide Number Placeholder 8"/>
           <p:cNvSpPr>
             <a:spLocks noGrp="1"/>
           </p:cNvSpPr>
@@ -2091,13 +2269,16 @@
             <p:ph type="sldNum" sz="quarter" idx="12"/>
           </p:nvPr>
         </p:nvSpPr>
-        <p:spPr/>
-        <p:txBody>
-          <a:bodyPr/>
-          <a:lstStyle/>
-          <a:p>
+        <p:spPr bwMode="auto"/>
+        <p:txBody>
+          <a:bodyPr/>
+          <a:lstStyle/>
+          <a:p>
+            <a:pPr>
+              <a:defRPr/>
+            </a:pPr>
             <a:fld id="{08395586-F03A-48D1-94DF-16B239DF4FB5}" type="slidenum">
-              <a:rPr lang="zh-CN" smtClean="0"/>
+              <a:rPr lang="zh-CN"/>
               <a:t>‹#›</a:t>
             </a:fld>
             <a:endParaRPr lang="zh-CN"/>
@@ -2105,11 +2286,6 @@
         </p:txBody>
       </p:sp>
     </p:spTree>
-    <p:extLst>
-      <p:ext uri="{BB962C8B-B14F-4D97-AF65-F5344CB8AC3E}">
-        <p14:creationId xmlns:p14="http://schemas.microsoft.com/office/powerpoint/2010/main" val="3953759558"/>
-      </p:ext>
-    </p:extLst>
   </p:cSld>
   <p:clrMapOvr>
     <a:masterClrMapping/>
@@ -2118,7 +2294,7 @@
 </file>
 
 <file path=ppt/slideLayouts/slideLayout6.xml><?xml version="1.0" encoding="utf-8"?>
-<p:sldLayout xmlns:a="http://schemas.openxmlformats.org/drawingml/2006/main" xmlns:r="http://schemas.openxmlformats.org/officeDocument/2006/relationships" xmlns:p="http://schemas.openxmlformats.org/presentationml/2006/main" type="titleOnly" preserve="1">
+<p:sldLayout xmlns:a="http://schemas.openxmlformats.org/drawingml/2006/main" xmlns:r="http://schemas.openxmlformats.org/officeDocument/2006/relationships" xmlns:p="http://schemas.openxmlformats.org/presentationml/2006/main" xmlns:m="http://schemas.openxmlformats.org/officeDocument/2006/math" xmlns:w="http://schemas.openxmlformats.org/wordprocessingml/2006/main" matchingName="" preserve="1" showMasterPhAnim="0" showMasterSp="1" type="titleOnly" userDrawn="1">
   <p:cSld name="Title Only">
     <p:spTree>
       <p:nvGrpSpPr>
@@ -2126,7 +2302,7 @@
         <p:cNvGrpSpPr/>
         <p:nvPr/>
       </p:nvGrpSpPr>
-      <p:grpSpPr>
+      <p:grpSpPr bwMode="auto">
         <a:xfrm>
           <a:off x="0" y="0"/>
           <a:ext cx="0" cy="0"/>
@@ -2136,7 +2312,7 @@
       </p:grpSpPr>
       <p:sp>
         <p:nvSpPr>
-          <p:cNvPr id="2" name="Title 1"/>
+          <p:cNvPr id="897274108" name="Title 1"/>
           <p:cNvSpPr>
             <a:spLocks noGrp="1"/>
           </p:cNvSpPr>
@@ -2144,22 +2320,25 @@
             <p:ph type="title"/>
           </p:nvPr>
         </p:nvSpPr>
-        <p:spPr/>
-        <p:txBody>
-          <a:bodyPr/>
-          <a:lstStyle/>
-          <a:p>
-            <a:r>
-              <a:rPr lang="zh-CN" smtClean="0"/>
+        <p:spPr bwMode="auto"/>
+        <p:txBody>
+          <a:bodyPr/>
+          <a:lstStyle/>
+          <a:p>
+            <a:pPr>
+              <a:defRPr/>
+            </a:pPr>
+            <a:r>
+              <a:rPr lang="zh-CN"/>
               <a:t>Click to edit Master title style</a:t>
             </a:r>
-            <a:endParaRPr lang="zh-CN" dirty="0"/>
-          </a:p>
-        </p:txBody>
-      </p:sp>
-      <p:sp>
-        <p:nvSpPr>
-          <p:cNvPr id="3" name="Date Placeholder 2"/>
+            <a:endParaRPr lang="zh-CN"/>
+          </a:p>
+        </p:txBody>
+      </p:sp>
+      <p:sp>
+        <p:nvSpPr>
+          <p:cNvPr id="1536027858" name="Date Placeholder 2"/>
           <p:cNvSpPr>
             <a:spLocks noGrp="1"/>
           </p:cNvSpPr>
@@ -2167,13 +2346,16 @@
             <p:ph type="dt" sz="half" idx="10"/>
           </p:nvPr>
         </p:nvSpPr>
-        <p:spPr/>
-        <p:txBody>
-          <a:bodyPr/>
-          <a:lstStyle/>
-          <a:p>
+        <p:spPr bwMode="auto"/>
+        <p:txBody>
+          <a:bodyPr/>
+          <a:lstStyle/>
+          <a:p>
+            <a:pPr>
+              <a:defRPr/>
+            </a:pPr>
             <a:fld id="{BCC18F51-09EC-435C-A3BA-64A766E099C0}" type="datetimeFigureOut">
-              <a:rPr lang="zh-CN" smtClean="0"/>
+              <a:rPr lang="zh-CN"/>
               <a:t>30.10.2013</a:t>
             </a:fld>
             <a:endParaRPr lang="zh-CN"/>
@@ -2182,7 +2364,7 @@
       </p:sp>
       <p:sp>
         <p:nvSpPr>
-          <p:cNvPr id="4" name="Footer Placeholder 3"/>
+          <p:cNvPr id="718693365" name="Footer Placeholder 3"/>
           <p:cNvSpPr>
             <a:spLocks noGrp="1"/>
           </p:cNvSpPr>
@@ -2190,18 +2372,21 @@
             <p:ph type="ftr" sz="quarter" idx="11"/>
           </p:nvPr>
         </p:nvSpPr>
-        <p:spPr/>
-        <p:txBody>
-          <a:bodyPr/>
-          <a:lstStyle/>
-          <a:p>
-            <a:endParaRPr lang="zh-CN"/>
-          </a:p>
-        </p:txBody>
-      </p:sp>
-      <p:sp>
-        <p:nvSpPr>
-          <p:cNvPr id="5" name="Slide Number Placeholder 4"/>
+        <p:spPr bwMode="auto"/>
+        <p:txBody>
+          <a:bodyPr/>
+          <a:lstStyle/>
+          <a:p>
+            <a:pPr>
+              <a:defRPr/>
+            </a:pPr>
+            <a:endParaRPr lang="zh-CN"/>
+          </a:p>
+        </p:txBody>
+      </p:sp>
+      <p:sp>
+        <p:nvSpPr>
+          <p:cNvPr id="787523423" name="Slide Number Placeholder 4"/>
           <p:cNvSpPr>
             <a:spLocks noGrp="1"/>
           </p:cNvSpPr>
@@ -2209,13 +2394,16 @@
             <p:ph type="sldNum" sz="quarter" idx="12"/>
           </p:nvPr>
         </p:nvSpPr>
-        <p:spPr/>
-        <p:txBody>
-          <a:bodyPr/>
-          <a:lstStyle/>
-          <a:p>
+        <p:spPr bwMode="auto"/>
+        <p:txBody>
+          <a:bodyPr/>
+          <a:lstStyle/>
+          <a:p>
+            <a:pPr>
+              <a:defRPr/>
+            </a:pPr>
             <a:fld id="{08395586-F03A-48D1-94DF-16B239DF4FB5}" type="slidenum">
-              <a:rPr lang="zh-CN" smtClean="0"/>
+              <a:rPr lang="zh-CN"/>
               <a:t>‹#›</a:t>
             </a:fld>
             <a:endParaRPr lang="zh-CN"/>
@@ -2223,11 +2411,6 @@
         </p:txBody>
       </p:sp>
     </p:spTree>
-    <p:extLst>
-      <p:ext uri="{BB962C8B-B14F-4D97-AF65-F5344CB8AC3E}">
-        <p14:creationId xmlns:p14="http://schemas.microsoft.com/office/powerpoint/2010/main" val="3815284972"/>
-      </p:ext>
-    </p:extLst>
   </p:cSld>
   <p:clrMapOvr>
     <a:masterClrMapping/>
@@ -2236,7 +2419,7 @@
 </file>
 
 <file path=ppt/slideLayouts/slideLayout7.xml><?xml version="1.0" encoding="utf-8"?>
-<p:sldLayout xmlns:a="http://schemas.openxmlformats.org/drawingml/2006/main" xmlns:r="http://schemas.openxmlformats.org/officeDocument/2006/relationships" xmlns:p="http://schemas.openxmlformats.org/presentationml/2006/main" type="blank" preserve="1">
+<p:sldLayout xmlns:a="http://schemas.openxmlformats.org/drawingml/2006/main" xmlns:r="http://schemas.openxmlformats.org/officeDocument/2006/relationships" xmlns:p="http://schemas.openxmlformats.org/presentationml/2006/main" xmlns:m="http://schemas.openxmlformats.org/officeDocument/2006/math" xmlns:w="http://schemas.openxmlformats.org/wordprocessingml/2006/main" matchingName="" preserve="1" showMasterPhAnim="0" showMasterSp="1" type="blank" userDrawn="1">
   <p:cSld name="Blank">
     <p:spTree>
       <p:nvGrpSpPr>
@@ -2244,7 +2427,7 @@
         <p:cNvGrpSpPr/>
         <p:nvPr/>
       </p:nvGrpSpPr>
-      <p:grpSpPr>
+      <p:grpSpPr bwMode="auto">
         <a:xfrm>
           <a:off x="0" y="0"/>
           <a:ext cx="0" cy="0"/>
@@ -2254,7 +2437,7 @@
       </p:grpSpPr>
       <p:sp>
         <p:nvSpPr>
-          <p:cNvPr id="2" name="Date Placeholder 1"/>
+          <p:cNvPr id="993666087" name="Date Placeholder 1"/>
           <p:cNvSpPr>
             <a:spLocks noGrp="1"/>
           </p:cNvSpPr>
@@ -2262,13 +2445,16 @@
             <p:ph type="dt" sz="half" idx="10"/>
           </p:nvPr>
         </p:nvSpPr>
-        <p:spPr/>
-        <p:txBody>
-          <a:bodyPr/>
-          <a:lstStyle/>
-          <a:p>
+        <p:spPr bwMode="auto"/>
+        <p:txBody>
+          <a:bodyPr/>
+          <a:lstStyle/>
+          <a:p>
+            <a:pPr>
+              <a:defRPr/>
+            </a:pPr>
             <a:fld id="{BCC18F51-09EC-435C-A3BA-64A766E099C0}" type="datetimeFigureOut">
-              <a:rPr lang="zh-CN" smtClean="0"/>
+              <a:rPr lang="zh-CN"/>
               <a:t>30.10.2013</a:t>
             </a:fld>
             <a:endParaRPr lang="zh-CN"/>
@@ -2277,7 +2463,7 @@
       </p:sp>
       <p:sp>
         <p:nvSpPr>
-          <p:cNvPr id="3" name="Footer Placeholder 2"/>
+          <p:cNvPr id="579156694" name="Footer Placeholder 2"/>
           <p:cNvSpPr>
             <a:spLocks noGrp="1"/>
           </p:cNvSpPr>
@@ -2285,18 +2471,21 @@
             <p:ph type="ftr" sz="quarter" idx="11"/>
           </p:nvPr>
         </p:nvSpPr>
-        <p:spPr/>
-        <p:txBody>
-          <a:bodyPr/>
-          <a:lstStyle/>
-          <a:p>
-            <a:endParaRPr lang="zh-CN"/>
-          </a:p>
-        </p:txBody>
-      </p:sp>
-      <p:sp>
-        <p:nvSpPr>
-          <p:cNvPr id="4" name="Slide Number Placeholder 3"/>
+        <p:spPr bwMode="auto"/>
+        <p:txBody>
+          <a:bodyPr/>
+          <a:lstStyle/>
+          <a:p>
+            <a:pPr>
+              <a:defRPr/>
+            </a:pPr>
+            <a:endParaRPr lang="zh-CN"/>
+          </a:p>
+        </p:txBody>
+      </p:sp>
+      <p:sp>
+        <p:nvSpPr>
+          <p:cNvPr id="1559616132" name="Slide Number Placeholder 3"/>
           <p:cNvSpPr>
             <a:spLocks noGrp="1"/>
           </p:cNvSpPr>
@@ -2304,13 +2493,16 @@
             <p:ph type="sldNum" sz="quarter" idx="12"/>
           </p:nvPr>
         </p:nvSpPr>
-        <p:spPr/>
-        <p:txBody>
-          <a:bodyPr/>
-          <a:lstStyle/>
-          <a:p>
+        <p:spPr bwMode="auto"/>
+        <p:txBody>
+          <a:bodyPr/>
+          <a:lstStyle/>
+          <a:p>
+            <a:pPr>
+              <a:defRPr/>
+            </a:pPr>
             <a:fld id="{08395586-F03A-48D1-94DF-16B239DF4FB5}" type="slidenum">
-              <a:rPr lang="zh-CN" smtClean="0"/>
+              <a:rPr lang="zh-CN"/>
               <a:t>‹#›</a:t>
             </a:fld>
             <a:endParaRPr lang="zh-CN"/>
@@ -2318,11 +2510,6 @@
         </p:txBody>
       </p:sp>
     </p:spTree>
-    <p:extLst>
-      <p:ext uri="{BB962C8B-B14F-4D97-AF65-F5344CB8AC3E}">
-        <p14:creationId xmlns:p14="http://schemas.microsoft.com/office/powerpoint/2010/main" val="3035599116"/>
-      </p:ext>
-    </p:extLst>
   </p:cSld>
   <p:clrMapOvr>
     <a:masterClrMapping/>
@@ -2331,7 +2518,7 @@
 </file>
 
 <file path=ppt/slideLayouts/slideLayout8.xml><?xml version="1.0" encoding="utf-8"?>
-<p:sldLayout xmlns:a="http://schemas.openxmlformats.org/drawingml/2006/main" xmlns:r="http://schemas.openxmlformats.org/officeDocument/2006/relationships" xmlns:p="http://schemas.openxmlformats.org/presentationml/2006/main" type="objTx" preserve="1">
+<p:sldLayout xmlns:a="http://schemas.openxmlformats.org/drawingml/2006/main" xmlns:r="http://schemas.openxmlformats.org/officeDocument/2006/relationships" xmlns:p="http://schemas.openxmlformats.org/presentationml/2006/main" xmlns:m="http://schemas.openxmlformats.org/officeDocument/2006/math" xmlns:w="http://schemas.openxmlformats.org/wordprocessingml/2006/main" matchingName="" preserve="1" showMasterPhAnim="0" showMasterSp="1" type="objTx" userDrawn="1">
   <p:cSld name="Content with Caption">
     <p:spTree>
       <p:nvGrpSpPr>
@@ -2339,7 +2526,7 @@
         <p:cNvGrpSpPr/>
         <p:nvPr/>
       </p:nvGrpSpPr>
-      <p:grpSpPr>
+      <p:grpSpPr bwMode="auto">
         <a:xfrm>
           <a:off x="0" y="0"/>
           <a:ext cx="0" cy="0"/>
@@ -2349,7 +2536,7 @@
       </p:grpSpPr>
       <p:sp>
         <p:nvSpPr>
-          <p:cNvPr id="2" name="Title 1"/>
+          <p:cNvPr id="449256111" name="Title 1"/>
           <p:cNvSpPr>
             <a:spLocks noGrp="1"/>
           </p:cNvSpPr>
@@ -2357,7 +2544,7 @@
             <p:ph type="title"/>
           </p:nvPr>
         </p:nvSpPr>
-        <p:spPr>
+        <p:spPr bwMode="auto">
           <a:xfrm>
             <a:off x="839788" y="457200"/>
             <a:ext cx="3932237" cy="1600200"/>
@@ -2371,17 +2558,20 @@
             </a:lvl1pPr>
           </a:lstStyle>
           <a:p>
-            <a:r>
-              <a:rPr lang="zh-CN" smtClean="0"/>
+            <a:pPr>
+              <a:defRPr/>
+            </a:pPr>
+            <a:r>
+              <a:rPr lang="zh-CN"/>
               <a:t>Click to edit Master title style</a:t>
             </a:r>
-            <a:endParaRPr lang="zh-CN" dirty="0"/>
-          </a:p>
-        </p:txBody>
-      </p:sp>
-      <p:sp>
-        <p:nvSpPr>
-          <p:cNvPr id="3" name="Content Placeholder 2"/>
+            <a:endParaRPr lang="zh-CN"/>
+          </a:p>
+        </p:txBody>
+      </p:sp>
+      <p:sp>
+        <p:nvSpPr>
+          <p:cNvPr id="1892078191" name="Content Placeholder 2"/>
           <p:cNvSpPr>
             <a:spLocks noGrp="1"/>
           </p:cNvSpPr>
@@ -2389,7 +2579,7 @@
             <p:ph idx="1"/>
           </p:nvPr>
         </p:nvSpPr>
-        <p:spPr>
+        <p:spPr bwMode="auto">
           <a:xfrm>
             <a:off x="5183188" y="987425"/>
             <a:ext cx="6172200" cy="4873625"/>
@@ -2427,46 +2617,60 @@
             </a:lvl9pPr>
           </a:lstStyle>
           <a:p>
-            <a:pPr lvl="0"/>
-            <a:r>
-              <a:rPr lang="zh-CN" smtClean="0"/>
+            <a:pPr lvl="0">
+              <a:defRPr/>
+            </a:pPr>
+            <a:r>
+              <a:rPr lang="zh-CN"/>
               <a:t>Click to edit Master text styles</a:t>
             </a:r>
-          </a:p>
-          <a:p>
-            <a:pPr lvl="1"/>
-            <a:r>
-              <a:rPr lang="zh-CN" smtClean="0"/>
+            <a:endParaRPr/>
+          </a:p>
+          <a:p>
+            <a:pPr lvl="1">
+              <a:defRPr/>
+            </a:pPr>
+            <a:r>
+              <a:rPr lang="zh-CN"/>
               <a:t>Second level</a:t>
             </a:r>
-          </a:p>
-          <a:p>
-            <a:pPr lvl="2"/>
-            <a:r>
-              <a:rPr lang="zh-CN" smtClean="0"/>
+            <a:endParaRPr/>
+          </a:p>
+          <a:p>
+            <a:pPr lvl="2">
+              <a:defRPr/>
+            </a:pPr>
+            <a:r>
+              <a:rPr lang="zh-CN"/>
               <a:t>Third level</a:t>
             </a:r>
-          </a:p>
-          <a:p>
-            <a:pPr lvl="3"/>
-            <a:r>
-              <a:rPr lang="zh-CN" smtClean="0"/>
+            <a:endParaRPr/>
+          </a:p>
+          <a:p>
+            <a:pPr lvl="3">
+              <a:defRPr/>
+            </a:pPr>
+            <a:r>
+              <a:rPr lang="zh-CN"/>
               <a:t>Fourth level</a:t>
             </a:r>
-          </a:p>
-          <a:p>
-            <a:pPr lvl="4"/>
-            <a:r>
-              <a:rPr lang="zh-CN" smtClean="0"/>
+            <a:endParaRPr/>
+          </a:p>
+          <a:p>
+            <a:pPr lvl="4">
+              <a:defRPr/>
+            </a:pPr>
+            <a:r>
+              <a:rPr lang="zh-CN"/>
               <a:t>Fifth level</a:t>
             </a:r>
-            <a:endParaRPr lang="zh-CN" dirty="0"/>
-          </a:p>
-        </p:txBody>
-      </p:sp>
-      <p:sp>
-        <p:nvSpPr>
-          <p:cNvPr id="4" name="Text Placeholder 3"/>
+            <a:endParaRPr lang="zh-CN"/>
+          </a:p>
+        </p:txBody>
+      </p:sp>
+      <p:sp>
+        <p:nvSpPr>
+          <p:cNvPr id="473690543" name="Text Placeholder 3"/>
           <p:cNvSpPr>
             <a:spLocks noGrp="1"/>
           </p:cNvSpPr>
@@ -2474,7 +2678,7 @@
             <p:ph type="body" sz="half" idx="2"/>
           </p:nvPr>
         </p:nvSpPr>
-        <p:spPr>
+        <p:spPr bwMode="auto">
           <a:xfrm>
             <a:off x="839788" y="2057400"/>
             <a:ext cx="3932237" cy="3811588"/>
@@ -2521,17 +2725,20 @@
             </a:lvl9pPr>
           </a:lstStyle>
           <a:p>
-            <a:pPr lvl="0"/>
-            <a:r>
-              <a:rPr lang="zh-CN" smtClean="0"/>
+            <a:pPr lvl="0">
+              <a:defRPr/>
+            </a:pPr>
+            <a:r>
+              <a:rPr lang="zh-CN"/>
               <a:t>Click to edit Master text styles</a:t>
             </a:r>
-          </a:p>
-        </p:txBody>
-      </p:sp>
-      <p:sp>
-        <p:nvSpPr>
-          <p:cNvPr id="5" name="Date Placeholder 4"/>
+            <a:endParaRPr/>
+          </a:p>
+        </p:txBody>
+      </p:sp>
+      <p:sp>
+        <p:nvSpPr>
+          <p:cNvPr id="398524071" name="Date Placeholder 4"/>
           <p:cNvSpPr>
             <a:spLocks noGrp="1"/>
           </p:cNvSpPr>
@@ -2539,13 +2746,16 @@
             <p:ph type="dt" sz="half" idx="10"/>
           </p:nvPr>
         </p:nvSpPr>
-        <p:spPr/>
-        <p:txBody>
-          <a:bodyPr/>
-          <a:lstStyle/>
-          <a:p>
+        <p:spPr bwMode="auto"/>
+        <p:txBody>
+          <a:bodyPr/>
+          <a:lstStyle/>
+          <a:p>
+            <a:pPr>
+              <a:defRPr/>
+            </a:pPr>
             <a:fld id="{BCC18F51-09EC-435C-A3BA-64A766E099C0}" type="datetimeFigureOut">
-              <a:rPr lang="zh-CN" smtClean="0"/>
+              <a:rPr lang="zh-CN"/>
               <a:t>30.10.2013</a:t>
             </a:fld>
             <a:endParaRPr lang="zh-CN"/>
@@ -2554,7 +2764,7 @@
       </p:sp>
       <p:sp>
         <p:nvSpPr>
-          <p:cNvPr id="6" name="Footer Placeholder 5"/>
+          <p:cNvPr id="702525442" name="Footer Placeholder 5"/>
           <p:cNvSpPr>
             <a:spLocks noGrp="1"/>
           </p:cNvSpPr>
@@ -2562,18 +2772,21 @@
             <p:ph type="ftr" sz="quarter" idx="11"/>
           </p:nvPr>
         </p:nvSpPr>
-        <p:spPr/>
-        <p:txBody>
-          <a:bodyPr/>
-          <a:lstStyle/>
-          <a:p>
-            <a:endParaRPr lang="zh-CN"/>
-          </a:p>
-        </p:txBody>
-      </p:sp>
-      <p:sp>
-        <p:nvSpPr>
-          <p:cNvPr id="7" name="Slide Number Placeholder 6"/>
+        <p:spPr bwMode="auto"/>
+        <p:txBody>
+          <a:bodyPr/>
+          <a:lstStyle/>
+          <a:p>
+            <a:pPr>
+              <a:defRPr/>
+            </a:pPr>
+            <a:endParaRPr lang="zh-CN"/>
+          </a:p>
+        </p:txBody>
+      </p:sp>
+      <p:sp>
+        <p:nvSpPr>
+          <p:cNvPr id="1412872458" name="Slide Number Placeholder 6"/>
           <p:cNvSpPr>
             <a:spLocks noGrp="1"/>
           </p:cNvSpPr>
@@ -2581,13 +2794,16 @@
             <p:ph type="sldNum" sz="quarter" idx="12"/>
           </p:nvPr>
         </p:nvSpPr>
-        <p:spPr/>
-        <p:txBody>
-          <a:bodyPr/>
-          <a:lstStyle/>
-          <a:p>
+        <p:spPr bwMode="auto"/>
+        <p:txBody>
+          <a:bodyPr/>
+          <a:lstStyle/>
+          <a:p>
+            <a:pPr>
+              <a:defRPr/>
+            </a:pPr>
             <a:fld id="{08395586-F03A-48D1-94DF-16B239DF4FB5}" type="slidenum">
-              <a:rPr lang="zh-CN" smtClean="0"/>
+              <a:rPr lang="zh-CN"/>
               <a:t>‹#›</a:t>
             </a:fld>
             <a:endParaRPr lang="zh-CN"/>
@@ -2595,11 +2811,6 @@
         </p:txBody>
       </p:sp>
     </p:spTree>
-    <p:extLst>
-      <p:ext uri="{BB962C8B-B14F-4D97-AF65-F5344CB8AC3E}">
-        <p14:creationId xmlns:p14="http://schemas.microsoft.com/office/powerpoint/2010/main" val="1714960738"/>
-      </p:ext>
-    </p:extLst>
   </p:cSld>
   <p:clrMapOvr>
     <a:masterClrMapping/>
@@ -2608,7 +2819,7 @@
 </file>
 
 <file path=ppt/slideLayouts/slideLayout9.xml><?xml version="1.0" encoding="utf-8"?>
-<p:sldLayout xmlns:a="http://schemas.openxmlformats.org/drawingml/2006/main" xmlns:r="http://schemas.openxmlformats.org/officeDocument/2006/relationships" xmlns:p="http://schemas.openxmlformats.org/presentationml/2006/main" type="picTx" preserve="1">
+<p:sldLayout xmlns:a="http://schemas.openxmlformats.org/drawingml/2006/main" xmlns:r="http://schemas.openxmlformats.org/officeDocument/2006/relationships" xmlns:p="http://schemas.openxmlformats.org/presentationml/2006/main" xmlns:m="http://schemas.openxmlformats.org/officeDocument/2006/math" xmlns:w="http://schemas.openxmlformats.org/wordprocessingml/2006/main" matchingName="" preserve="1" showMasterPhAnim="0" showMasterSp="1" type="picTx" userDrawn="1">
   <p:cSld name="Picture with Caption">
     <p:spTree>
       <p:nvGrpSpPr>
@@ -2616,7 +2827,7 @@
         <p:cNvGrpSpPr/>
         <p:nvPr/>
       </p:nvGrpSpPr>
-      <p:grpSpPr>
+      <p:grpSpPr bwMode="auto">
         <a:xfrm>
           <a:off x="0" y="0"/>
           <a:ext cx="0" cy="0"/>
@@ -2626,7 +2837,7 @@
       </p:grpSpPr>
       <p:sp>
         <p:nvSpPr>
-          <p:cNvPr id="2" name="Title 1"/>
+          <p:cNvPr id="62192004" name="Title 1"/>
           <p:cNvSpPr>
             <a:spLocks noGrp="1"/>
           </p:cNvSpPr>
@@ -2634,7 +2845,7 @@
             <p:ph type="title"/>
           </p:nvPr>
         </p:nvSpPr>
-        <p:spPr>
+        <p:spPr bwMode="auto">
           <a:xfrm>
             <a:off x="839788" y="457200"/>
             <a:ext cx="3932237" cy="1600200"/>
@@ -2648,25 +2859,28 @@
             </a:lvl1pPr>
           </a:lstStyle>
           <a:p>
-            <a:r>
-              <a:rPr lang="zh-CN" smtClean="0"/>
+            <a:pPr>
+              <a:defRPr/>
+            </a:pPr>
+            <a:r>
+              <a:rPr lang="zh-CN"/>
               <a:t>Click to edit Master title style</a:t>
             </a:r>
-            <a:endParaRPr lang="zh-CN" dirty="0"/>
-          </a:p>
-        </p:txBody>
-      </p:sp>
-      <p:sp>
-        <p:nvSpPr>
-          <p:cNvPr id="3" name="Picture Placeholder 2"/>
-          <p:cNvSpPr>
-            <a:spLocks noGrp="1" noChangeAspect="1"/>
+            <a:endParaRPr lang="zh-CN"/>
+          </a:p>
+        </p:txBody>
+      </p:sp>
+      <p:sp>
+        <p:nvSpPr>
+          <p:cNvPr id="1223859761" name="Picture Placeholder 2"/>
+          <p:cNvSpPr>
+            <a:spLocks noChangeAspect="1" noGrp="1"/>
           </p:cNvSpPr>
           <p:nvPr>
             <p:ph type="pic" idx="1"/>
           </p:nvPr>
         </p:nvSpPr>
-        <p:spPr>
+        <p:spPr bwMode="auto">
           <a:xfrm>
             <a:off x="5183188" y="987425"/>
             <a:ext cx="6172200" cy="4873625"/>
@@ -2713,17 +2927,20 @@
             </a:lvl9pPr>
           </a:lstStyle>
           <a:p>
-            <a:r>
-              <a:rPr lang="zh-CN" smtClean="0"/>
+            <a:pPr>
+              <a:defRPr/>
+            </a:pPr>
+            <a:r>
+              <a:rPr lang="zh-CN"/>
               <a:t>Click icon to add picture</a:t>
             </a:r>
-            <a:endParaRPr lang="zh-CN" dirty="0"/>
-          </a:p>
-        </p:txBody>
-      </p:sp>
-      <p:sp>
-        <p:nvSpPr>
-          <p:cNvPr id="4" name="Text Placeholder 3"/>
+            <a:endParaRPr lang="zh-CN"/>
+          </a:p>
+        </p:txBody>
+      </p:sp>
+      <p:sp>
+        <p:nvSpPr>
+          <p:cNvPr id="1219796352" name="Text Placeholder 3"/>
           <p:cNvSpPr>
             <a:spLocks noGrp="1"/>
           </p:cNvSpPr>
@@ -2731,7 +2948,7 @@
             <p:ph type="body" sz="half" idx="2"/>
           </p:nvPr>
         </p:nvSpPr>
-        <p:spPr>
+        <p:spPr bwMode="auto">
           <a:xfrm>
             <a:off x="839788" y="2057400"/>
             <a:ext cx="3932237" cy="3811588"/>
@@ -2778,17 +2995,20 @@
             </a:lvl9pPr>
           </a:lstStyle>
           <a:p>
-            <a:pPr lvl="0"/>
-            <a:r>
-              <a:rPr lang="zh-CN" smtClean="0"/>
+            <a:pPr lvl="0">
+              <a:defRPr/>
+            </a:pPr>
+            <a:r>
+              <a:rPr lang="zh-CN"/>
               <a:t>Click to edit Master text styles</a:t>
             </a:r>
-          </a:p>
-        </p:txBody>
-      </p:sp>
-      <p:sp>
-        <p:nvSpPr>
-          <p:cNvPr id="5" name="Date Placeholder 4"/>
+            <a:endParaRPr/>
+          </a:p>
+        </p:txBody>
+      </p:sp>
+      <p:sp>
+        <p:nvSpPr>
+          <p:cNvPr id="1320725460" name="Date Placeholder 4"/>
           <p:cNvSpPr>
             <a:spLocks noGrp="1"/>
           </p:cNvSpPr>
@@ -2796,13 +3016,16 @@
             <p:ph type="dt" sz="half" idx="10"/>
           </p:nvPr>
         </p:nvSpPr>
-        <p:spPr/>
-        <p:txBody>
-          <a:bodyPr/>
-          <a:lstStyle/>
-          <a:p>
+        <p:spPr bwMode="auto"/>
+        <p:txBody>
+          <a:bodyPr/>
+          <a:lstStyle/>
+          <a:p>
+            <a:pPr>
+              <a:defRPr/>
+            </a:pPr>
             <a:fld id="{BCC18F51-09EC-435C-A3BA-64A766E099C0}" type="datetimeFigureOut">
-              <a:rPr lang="zh-CN" smtClean="0"/>
+              <a:rPr lang="zh-CN"/>
               <a:t>30.10.2013</a:t>
             </a:fld>
             <a:endParaRPr lang="zh-CN"/>
@@ -2811,7 +3034,7 @@
       </p:sp>
       <p:sp>
         <p:nvSpPr>
-          <p:cNvPr id="6" name="Footer Placeholder 5"/>
+          <p:cNvPr id="1211124596" name="Footer Placeholder 5"/>
           <p:cNvSpPr>
             <a:spLocks noGrp="1"/>
           </p:cNvSpPr>
@@ -2819,18 +3042,21 @@
             <p:ph type="ftr" sz="quarter" idx="11"/>
           </p:nvPr>
         </p:nvSpPr>
-        <p:spPr/>
-        <p:txBody>
-          <a:bodyPr/>
-          <a:lstStyle/>
-          <a:p>
-            <a:endParaRPr lang="zh-CN"/>
-          </a:p>
-        </p:txBody>
-      </p:sp>
-      <p:sp>
-        <p:nvSpPr>
-          <p:cNvPr id="7" name="Slide Number Placeholder 6"/>
+        <p:spPr bwMode="auto"/>
+        <p:txBody>
+          <a:bodyPr/>
+          <a:lstStyle/>
+          <a:p>
+            <a:pPr>
+              <a:defRPr/>
+            </a:pPr>
+            <a:endParaRPr lang="zh-CN"/>
+          </a:p>
+        </p:txBody>
+      </p:sp>
+      <p:sp>
+        <p:nvSpPr>
+          <p:cNvPr id="1890298523" name="Slide Number Placeholder 6"/>
           <p:cNvSpPr>
             <a:spLocks noGrp="1"/>
           </p:cNvSpPr>
@@ -2838,13 +3064,16 @@
             <p:ph type="sldNum" sz="quarter" idx="12"/>
           </p:nvPr>
         </p:nvSpPr>
-        <p:spPr/>
-        <p:txBody>
-          <a:bodyPr/>
-          <a:lstStyle/>
-          <a:p>
+        <p:spPr bwMode="auto"/>
+        <p:txBody>
+          <a:bodyPr/>
+          <a:lstStyle/>
+          <a:p>
+            <a:pPr>
+              <a:defRPr/>
+            </a:pPr>
             <a:fld id="{08395586-F03A-48D1-94DF-16B239DF4FB5}" type="slidenum">
-              <a:rPr lang="zh-CN" smtClean="0"/>
+              <a:rPr lang="zh-CN"/>
               <a:t>‹#›</a:t>
             </a:fld>
             <a:endParaRPr lang="zh-CN"/>
@@ -2852,11 +3081,6 @@
         </p:txBody>
       </p:sp>
     </p:spTree>
-    <p:extLst>
-      <p:ext uri="{BB962C8B-B14F-4D97-AF65-F5344CB8AC3E}">
-        <p14:creationId xmlns:p14="http://schemas.microsoft.com/office/powerpoint/2010/main" val="3255540774"/>
-      </p:ext>
-    </p:extLst>
   </p:cSld>
   <p:clrMapOvr>
     <a:masterClrMapping/>
@@ -2865,8 +3089,8 @@
 </file>
 
 <file path=ppt/slideMasters/slideMaster1.xml><?xml version="1.0" encoding="utf-8"?>
-<p:sldMaster xmlns:a="http://schemas.openxmlformats.org/drawingml/2006/main" xmlns:r="http://schemas.openxmlformats.org/officeDocument/2006/relationships" xmlns:p="http://schemas.openxmlformats.org/presentationml/2006/main">
-  <p:cSld>
+<p:sldMaster xmlns:a="http://schemas.openxmlformats.org/drawingml/2006/main" xmlns:r="http://schemas.openxmlformats.org/officeDocument/2006/relationships" xmlns:p="http://schemas.openxmlformats.org/presentationml/2006/main" xmlns:m="http://schemas.openxmlformats.org/officeDocument/2006/math" xmlns:w="http://schemas.openxmlformats.org/wordprocessingml/2006/main" preserve="0">
+  <p:cSld name="">
     <p:bg>
       <p:bgRef idx="1001">
         <a:schemeClr val="bg1"/>
@@ -2878,7 +3102,7 @@
         <p:cNvGrpSpPr/>
         <p:nvPr/>
       </p:nvGrpSpPr>
-      <p:grpSpPr>
+      <p:grpSpPr bwMode="auto">
         <a:xfrm>
           <a:off x="0" y="0"/>
           <a:ext cx="0" cy="0"/>
@@ -2888,7 +3112,7 @@
       </p:grpSpPr>
       <p:sp>
         <p:nvSpPr>
-          <p:cNvPr id="2" name="Title Placeholder 1"/>
+          <p:cNvPr id="383200383" name="Title Placeholder 1"/>
           <p:cNvSpPr>
             <a:spLocks noGrp="1"/>
           </p:cNvSpPr>
@@ -2896,7 +3120,7 @@
             <p:ph type="title"/>
           </p:nvPr>
         </p:nvSpPr>
-        <p:spPr>
+        <p:spPr bwMode="auto">
           <a:xfrm>
             <a:off x="838200" y="365125"/>
             <a:ext cx="10515600" cy="1325563"/>
@@ -2909,19 +3133,86 @@
           <a:bodyPr vert="horz" lIns="91440" tIns="45720" rIns="91440" bIns="45720" rtlCol="0" anchor="ctr">
             <a:normAutofit/>
           </a:bodyPr>
-          <a:lstStyle/>
-          <a:p>
-            <a:r>
-              <a:rPr lang="zh-CN" smtClean="0"/>
+          <a:lstStyle>
+            <a:lvl1pPr>
+              <a:defRPr>
+                <a:latin typeface="MiSans"/>
+                <a:ea typeface="MiSans"/>
+                <a:cs typeface="MiSans"/>
+              </a:defRPr>
+            </a:lvl1pPr>
+            <a:lvl2pPr>
+              <a:defRPr>
+                <a:latin typeface="MiSans"/>
+                <a:ea typeface="MiSans"/>
+                <a:cs typeface="MiSans"/>
+              </a:defRPr>
+            </a:lvl2pPr>
+            <a:lvl3pPr>
+              <a:defRPr>
+                <a:latin typeface="MiSans"/>
+                <a:ea typeface="MiSans"/>
+                <a:cs typeface="MiSans"/>
+              </a:defRPr>
+            </a:lvl3pPr>
+            <a:lvl4pPr>
+              <a:defRPr>
+                <a:latin typeface="MiSans"/>
+                <a:ea typeface="MiSans"/>
+                <a:cs typeface="MiSans"/>
+              </a:defRPr>
+            </a:lvl4pPr>
+            <a:lvl5pPr>
+              <a:defRPr>
+                <a:latin typeface="MiSans"/>
+                <a:ea typeface="MiSans"/>
+                <a:cs typeface="MiSans"/>
+              </a:defRPr>
+            </a:lvl5pPr>
+            <a:lvl6pPr>
+              <a:defRPr>
+                <a:latin typeface="MiSans"/>
+                <a:ea typeface="MiSans"/>
+                <a:cs typeface="MiSans"/>
+              </a:defRPr>
+            </a:lvl6pPr>
+            <a:lvl7pPr>
+              <a:defRPr>
+                <a:latin typeface="MiSans"/>
+                <a:ea typeface="MiSans"/>
+                <a:cs typeface="MiSans"/>
+              </a:defRPr>
+            </a:lvl7pPr>
+            <a:lvl8pPr>
+              <a:defRPr>
+                <a:latin typeface="MiSans"/>
+                <a:ea typeface="MiSans"/>
+                <a:cs typeface="MiSans"/>
+              </a:defRPr>
+            </a:lvl8pPr>
+            <a:lvl9pPr>
+              <a:defRPr>
+                <a:latin typeface="MiSans"/>
+                <a:ea typeface="MiSans"/>
+                <a:cs typeface="MiSans"/>
+              </a:defRPr>
+            </a:lvl9pPr>
+          </a:lstStyle>
+          <a:p>
+            <a:pPr>
+              <a:defRPr/>
+            </a:pPr>
+            <a:r>
+              <a:rPr lang="zh-CN"/>
               <a:t>Click to edit Master title style</a:t>
             </a:r>
-            <a:endParaRPr lang="zh-CN" dirty="0"/>
-          </a:p>
-        </p:txBody>
-      </p:sp>
-      <p:sp>
-        <p:nvSpPr>
-          <p:cNvPr id="3" name="Text Placeholder 2"/>
+            <a:endParaRPr lang="zh-CN"/>
+          </a:p>
+        </p:txBody>
+      </p:sp>
+      <p:sp>
+        <p:nvSpPr>
+          <p:cNvPr id="102205264" name="Text Placeholder 2"/>
           <p:cNvSpPr>
             <a:spLocks noGrp="1"/>
           </p:cNvSpPr>
@@ -2929,7 +3220,7 @@
             <p:ph type="body" idx="1"/>
           </p:nvPr>
         </p:nvSpPr>
-        <p:spPr>
+        <p:spPr bwMode="auto">
           <a:xfrm>
             <a:off x="838200" y="1825625"/>
             <a:ext cx="10515600" cy="4351338"/>
@@ -2942,48 +3233,126 @@
           <a:bodyPr vert="horz" lIns="91440" tIns="45720" rIns="91440" bIns="45720" rtlCol="0">
             <a:normAutofit/>
           </a:bodyPr>
-          <a:lstStyle/>
-          <a:p>
-            <a:pPr lvl="0"/>
-            <a:r>
-              <a:rPr lang="zh-CN" smtClean="0"/>
+          <a:lstStyle>
+            <a:lvl1pPr>
+              <a:defRPr>
+                <a:latin typeface="MiSans"/>
+                <a:ea typeface="MiSans"/>
+                <a:cs typeface="MiSans"/>
+              </a:defRPr>
+            </a:lvl1pPr>
+            <a:lvl2pPr>
+              <a:defRPr>
+                <a:latin typeface="MiSans"/>
+                <a:ea typeface="MiSans"/>
+                <a:cs typeface="MiSans"/>
+              </a:defRPr>
+            </a:lvl2pPr>
+            <a:lvl3pPr>
+              <a:defRPr>
+                <a:latin typeface="MiSans"/>
+                <a:ea typeface="MiSans"/>
+                <a:cs typeface="MiSans"/>
+              </a:defRPr>
+            </a:lvl3pPr>
+            <a:lvl4pPr>
+              <a:defRPr>
+                <a:latin typeface="MiSans"/>
+                <a:ea typeface="MiSans"/>
+                <a:cs typeface="MiSans"/>
+              </a:defRPr>
+            </a:lvl4pPr>
+            <a:lvl5pPr>
+              <a:defRPr>
+                <a:latin typeface="MiSans"/>
+                <a:ea typeface="MiSans"/>
+                <a:cs typeface="MiSans"/>
+              </a:defRPr>
+            </a:lvl5pPr>
+            <a:lvl6pPr>
+              <a:defRPr>
+                <a:latin typeface="MiSans"/>
+                <a:ea typeface="MiSans"/>
+                <a:cs typeface="MiSans"/>
+              </a:defRPr>
+            </a:lvl6pPr>
+            <a:lvl7pPr>
+              <a:defRPr>
+                <a:latin typeface="MiSans"/>
+                <a:ea typeface="MiSans"/>
+                <a:cs typeface="MiSans"/>
+              </a:defRPr>
+            </a:lvl7pPr>
+            <a:lvl8pPr>
+              <a:defRPr>
+                <a:latin typeface="MiSans"/>
+                <a:ea typeface="MiSans"/>
+                <a:cs typeface="MiSans"/>
+              </a:defRPr>
+            </a:lvl8pPr>
+            <a:lvl9pPr>
+              <a:defRPr>
+                <a:latin typeface="MiSans"/>
+                <a:ea typeface="MiSans"/>
+                <a:cs typeface="MiSans"/>
+              </a:defRPr>
+            </a:lvl9pPr>
+          </a:lstStyle>
+          <a:p>
+            <a:pPr lvl="0">
+              <a:defRPr/>
+            </a:pPr>
+            <a:r>
+              <a:rPr lang="zh-CN"/>
               <a:t>Click to edit Master text styles</a:t>
             </a:r>
-          </a:p>
-          <a:p>
-            <a:pPr lvl="1"/>
-            <a:r>
-              <a:rPr lang="zh-CN" smtClean="0"/>
+            <a:endParaRPr/>
+          </a:p>
+          <a:p>
+            <a:pPr lvl="1">
+              <a:defRPr/>
+            </a:pPr>
+            <a:r>
+              <a:rPr lang="zh-CN"/>
               <a:t>Second level</a:t>
             </a:r>
-          </a:p>
-          <a:p>
-            <a:pPr lvl="2"/>
-            <a:r>
-              <a:rPr lang="zh-CN" smtClean="0"/>
+            <a:endParaRPr/>
+          </a:p>
+          <a:p>
+            <a:pPr lvl="2">
+              <a:defRPr/>
+            </a:pPr>
+            <a:r>
+              <a:rPr lang="zh-CN"/>
               <a:t>Third level</a:t>
             </a:r>
-          </a:p>
-          <a:p>
-            <a:pPr lvl="3"/>
-            <a:r>
-              <a:rPr lang="zh-CN" smtClean="0"/>
+            <a:endParaRPr/>
+          </a:p>
+          <a:p>
+            <a:pPr lvl="3">
+              <a:defRPr/>
+            </a:pPr>
+            <a:r>
+              <a:rPr lang="zh-CN"/>
               <a:t>Fourth level</a:t>
             </a:r>
-          </a:p>
-          <a:p>
-            <a:pPr lvl="4"/>
-            <a:r>
-              <a:rPr lang="zh-CN" smtClean="0"/>
+            <a:endParaRPr/>
+          </a:p>
+          <a:p>
+            <a:pPr lvl="4">
+              <a:defRPr/>
+            </a:pPr>
+            <a:r>
+              <a:rPr lang="zh-CN"/>
               <a:t>Fifth level</a:t>
             </a:r>
-            <a:endParaRPr lang="zh-CN" dirty="0"/>
-          </a:p>
-        </p:txBody>
-      </p:sp>
-      <p:sp>
-        <p:nvSpPr>
-          <p:cNvPr id="4" name="Date Placeholder 3"/>
+            <a:endParaRPr lang="zh-CN"/>
+          </a:p>
+        </p:txBody>
+      </p:sp>
+      <p:sp>
+        <p:nvSpPr>
+          <p:cNvPr id="777740504" name="Date Placeholder 3"/>
           <p:cNvSpPr>
             <a:spLocks noGrp="1"/>
           </p:cNvSpPr>
@@ -2991,7 +3360,7 @@
             <p:ph type="dt" sz="half" idx="2"/>
           </p:nvPr>
         </p:nvSpPr>
-        <p:spPr>
+        <p:spPr bwMode="auto">
           <a:xfrm>
             <a:off x="838200" y="6356350"/>
             <a:ext cx="2743200" cy="365125"/>
@@ -3010,12 +3379,74 @@
                     <a:tint val="75000"/>
                   </a:schemeClr>
                 </a:solidFill>
+                <a:latin typeface="MiSans"/>
+                <a:ea typeface="MiSans"/>
+                <a:cs typeface="MiSans"/>
               </a:defRPr>
             </a:lvl1pPr>
+            <a:lvl2pPr>
+              <a:defRPr>
+                <a:latin typeface="MiSans"/>
+                <a:ea typeface="MiSans"/>
+                <a:cs typeface="MiSans"/>
+              </a:defRPr>
+            </a:lvl2pPr>
+            <a:lvl3pPr>
+              <a:defRPr>
+                <a:latin typeface="MiSans"/>
+                <a:ea typeface="MiSans"/>
+                <a:cs typeface="MiSans"/>
+              </a:defRPr>
+            </a:lvl3pPr>
+            <a:lvl4pPr>
+              <a:defRPr>
+                <a:latin typeface="MiSans"/>
+                <a:ea typeface="MiSans"/>
+                <a:cs typeface="MiSans"/>
+              </a:defRPr>
+            </a:lvl4pPr>
+            <a:lvl5pPr>
+              <a:defRPr>
+                <a:latin typeface="MiSans"/>
+                <a:ea typeface="MiSans"/>
+                <a:cs typeface="MiSans"/>
+              </a:defRPr>
+            </a:lvl5pPr>
+            <a:lvl6pPr>
+              <a:defRPr>
+                <a:latin typeface="MiSans"/>
+                <a:ea typeface="MiSans"/>
+                <a:cs typeface="MiSans"/>
+              </a:defRPr>
+            </a:lvl6pPr>
+            <a:lvl7pPr>
+              <a:defRPr>
+                <a:latin typeface="MiSans"/>
+                <a:ea typeface="MiSans"/>
+                <a:cs typeface="MiSans"/>
+              </a:defRPr>
+            </a:lvl7pPr>
+            <a:lvl8pPr>
+              <a:defRPr>
+                <a:latin typeface="MiSans"/>
+                <a:ea typeface="MiSans"/>
+                <a:cs typeface="MiSans"/>
+              </a:defRPr>
+            </a:lvl8pPr>
+            <a:lvl9pPr>
+              <a:defRPr>
+                <a:latin typeface="MiSans"/>
+                <a:ea typeface="MiSans"/>
+                <a:cs typeface="MiSans"/>
+              </a:defRPr>
+            </a:lvl9pPr>
           </a:lstStyle>
           <a:p>
+            <a:pPr>
+              <a:defRPr/>
+            </a:pPr>
             <a:fld id="{BCC18F51-09EC-435C-A3BA-64A766E099C0}" type="datetimeFigureOut">
-              <a:rPr lang="zh-CN" smtClean="0"/>
+              <a:rPr lang="zh-CN"/>
               <a:t>30.10.2013</a:t>
             </a:fld>
             <a:endParaRPr lang="zh-CN"/>
@@ -3024,7 +3455,7 @@
       </p:sp>
       <p:sp>
         <p:nvSpPr>
-          <p:cNvPr id="5" name="Footer Placeholder 4"/>
+          <p:cNvPr id="278204060" name="Footer Placeholder 4"/>
           <p:cNvSpPr>
             <a:spLocks noGrp="1"/>
           </p:cNvSpPr>
@@ -3032,7 +3463,7 @@
             <p:ph type="ftr" sz="quarter" idx="3"/>
           </p:nvPr>
         </p:nvSpPr>
-        <p:spPr>
+        <p:spPr bwMode="auto">
           <a:xfrm>
             <a:off x="4038600" y="6356350"/>
             <a:ext cx="4114800" cy="365125"/>
@@ -3051,17 +3482,79 @@
                     <a:tint val="75000"/>
                   </a:schemeClr>
                 </a:solidFill>
+                <a:latin typeface="MiSans"/>
+                <a:ea typeface="MiSans"/>
+                <a:cs typeface="MiSans"/>
               </a:defRPr>
             </a:lvl1pPr>
+            <a:lvl2pPr>
+              <a:defRPr>
+                <a:latin typeface="MiSans"/>
+                <a:ea typeface="MiSans"/>
+                <a:cs typeface="MiSans"/>
+              </a:defRPr>
+            </a:lvl2pPr>
+            <a:lvl3pPr>
+              <a:defRPr>
+                <a:latin typeface="MiSans"/>
+                <a:ea typeface="MiSans"/>
+                <a:cs typeface="MiSans"/>
+              </a:defRPr>
+            </a:lvl3pPr>
+            <a:lvl4pPr>
+              <a:defRPr>
+                <a:latin typeface="MiSans"/>
+                <a:ea typeface="MiSans"/>
+                <a:cs typeface="MiSans"/>
+              </a:defRPr>
+            </a:lvl4pPr>
+            <a:lvl5pPr>
+              <a:defRPr>
+                <a:latin typeface="MiSans"/>
+                <a:ea typeface="MiSans"/>
+                <a:cs typeface="MiSans"/>
+              </a:defRPr>
+            </a:lvl5pPr>
+            <a:lvl6pPr>
+              <a:defRPr>
+                <a:latin typeface="MiSans"/>
+                <a:ea typeface="MiSans"/>
+                <a:cs typeface="MiSans"/>
+              </a:defRPr>
+            </a:lvl6pPr>
+            <a:lvl7pPr>
+              <a:defRPr>
+                <a:latin typeface="MiSans"/>
+                <a:ea typeface="MiSans"/>
+                <a:cs typeface="MiSans"/>
+              </a:defRPr>
+            </a:lvl7pPr>
+            <a:lvl8pPr>
+              <a:defRPr>
+                <a:latin typeface="MiSans"/>
+                <a:ea typeface="MiSans"/>
+                <a:cs typeface="MiSans"/>
+              </a:defRPr>
+            </a:lvl8pPr>
+            <a:lvl9pPr>
+              <a:defRPr>
+                <a:latin typeface="MiSans"/>
+                <a:ea typeface="MiSans"/>
+                <a:cs typeface="MiSans"/>
+              </a:defRPr>
+            </a:lvl9pPr>
           </a:lstStyle>
           <a:p>
-            <a:endParaRPr lang="zh-CN"/>
-          </a:p>
-        </p:txBody>
-      </p:sp>
-      <p:sp>
-        <p:nvSpPr>
-          <p:cNvPr id="6" name="Slide Number Placeholder 5"/>
+            <a:pPr>
+              <a:defRPr/>
+            </a:pPr>
+            <a:endParaRPr lang="zh-CN"/>
+          </a:p>
+        </p:txBody>
+      </p:sp>
+      <p:sp>
+        <p:nvSpPr>
+          <p:cNvPr id="349809884" name="Slide Number Placeholder 5"/>
           <p:cNvSpPr>
             <a:spLocks noGrp="1"/>
           </p:cNvSpPr>
@@ -3069,7 +3562,7 @@
             <p:ph type="sldNum" sz="quarter" idx="4"/>
           </p:nvPr>
         </p:nvSpPr>
-        <p:spPr>
+        <p:spPr bwMode="auto">
           <a:xfrm>
             <a:off x="8610600" y="6356350"/>
             <a:ext cx="2743200" cy="365125"/>
@@ -3088,12 +3581,74 @@
                     <a:tint val="75000"/>
                   </a:schemeClr>
                 </a:solidFill>
+                <a:latin typeface="MiSans"/>
+                <a:ea typeface="MiSans"/>
+                <a:cs typeface="MiSans"/>
               </a:defRPr>
             </a:lvl1pPr>
+            <a:lvl2pPr>
+              <a:defRPr>
+                <a:latin typeface="MiSans"/>
+                <a:ea typeface="MiSans"/>
+                <a:cs typeface="MiSans"/>
+              </a:defRPr>
+            </a:lvl2pPr>
+            <a:lvl3pPr>
+              <a:defRPr>
+                <a:latin typeface="MiSans"/>
+                <a:ea typeface="MiSans"/>
+                <a:cs typeface="MiSans"/>
+              </a:defRPr>
+            </a:lvl3pPr>
+            <a:lvl4pPr>
+              <a:defRPr>
+                <a:latin typeface="MiSans"/>
+                <a:ea typeface="MiSans"/>
+                <a:cs typeface="MiSans"/>
+              </a:defRPr>
+            </a:lvl4pPr>
+            <a:lvl5pPr>
+              <a:defRPr>
+                <a:latin typeface="MiSans"/>
+                <a:ea typeface="MiSans"/>
+                <a:cs typeface="MiSans"/>
+              </a:defRPr>
+            </a:lvl5pPr>
+            <a:lvl6pPr>
+              <a:defRPr>
+                <a:latin typeface="MiSans"/>
+                <a:ea typeface="MiSans"/>
+                <a:cs typeface="MiSans"/>
+              </a:defRPr>
+            </a:lvl6pPr>
+            <a:lvl7pPr>
+              <a:defRPr>
+                <a:latin typeface="MiSans"/>
+                <a:ea typeface="MiSans"/>
+                <a:cs typeface="MiSans"/>
+              </a:defRPr>
+            </a:lvl7pPr>
+            <a:lvl8pPr>
+              <a:defRPr>
+                <a:latin typeface="MiSans"/>
+                <a:ea typeface="MiSans"/>
+                <a:cs typeface="MiSans"/>
+              </a:defRPr>
+            </a:lvl8pPr>
+            <a:lvl9pPr>
+              <a:defRPr>
+                <a:latin typeface="MiSans"/>
+                <a:ea typeface="MiSans"/>
+                <a:cs typeface="MiSans"/>
+              </a:defRPr>
+            </a:lvl9pPr>
           </a:lstStyle>
           <a:p>
+            <a:pPr>
+              <a:defRPr/>
+            </a:pPr>
             <a:fld id="{08395586-F03A-48D1-94DF-16B239DF4FB5}" type="slidenum">
-              <a:rPr lang="zh-CN" smtClean="0"/>
+              <a:rPr lang="zh-CN"/>
               <a:t>‹#›</a:t>
             </a:fld>
             <a:endParaRPr lang="zh-CN"/>
@@ -3101,37 +3656,32 @@
         </p:txBody>
       </p:sp>
     </p:spTree>
-    <p:extLst>
-      <p:ext uri="{BB962C8B-B14F-4D97-AF65-F5344CB8AC3E}">
-        <p14:creationId xmlns:p14="http://schemas.microsoft.com/office/powerpoint/2010/main" val="4124136512"/>
-      </p:ext>
-    </p:extLst>
   </p:cSld>
   <p:clrMap bg1="lt1" tx1="dk1" bg2="lt2" tx2="dk2" accent1="accent1" accent2="accent2" accent3="accent3" accent4="accent4" accent5="accent5" accent6="accent6" hlink="hlink" folHlink="folHlink"/>
   <p:sldLayoutIdLst>
-    <p:sldLayoutId id="2147483673" r:id="rId1"/>
-    <p:sldLayoutId id="2147483674" r:id="rId2"/>
-    <p:sldLayoutId id="2147483675" r:id="rId3"/>
-    <p:sldLayoutId id="2147483676" r:id="rId4"/>
-    <p:sldLayoutId id="2147483677" r:id="rId5"/>
-    <p:sldLayoutId id="2147483678" r:id="rId6"/>
-    <p:sldLayoutId id="2147483679" r:id="rId7"/>
-    <p:sldLayoutId id="2147483680" r:id="rId8"/>
-    <p:sldLayoutId id="2147483681" r:id="rId9"/>
-    <p:sldLayoutId id="2147483682" r:id="rId10"/>
-    <p:sldLayoutId id="2147483683" r:id="rId11"/>
+    <p:sldLayoutId id="2147483649" r:id="rId1"/>
+    <p:sldLayoutId id="2147483650" r:id="rId2"/>
+    <p:sldLayoutId id="2147483651" r:id="rId3"/>
+    <p:sldLayoutId id="2147483652" r:id="rId4"/>
+    <p:sldLayoutId id="2147483653" r:id="rId5"/>
+    <p:sldLayoutId id="2147483654" r:id="rId6"/>
+    <p:sldLayoutId id="2147483655" r:id="rId7"/>
+    <p:sldLayoutId id="2147483656" r:id="rId8"/>
+    <p:sldLayoutId id="2147483657" r:id="rId9"/>
+    <p:sldLayoutId id="2147483658" r:id="rId10"/>
+    <p:sldLayoutId id="2147483659" r:id="rId11"/>
   </p:sldLayoutIdLst>
   <p:txStyles>
     <p:titleStyle>
-      <a:lvl1pPr algn="l" defTabSz="914400" rtl="0" eaLnBrk="1" latinLnBrk="0" hangingPunct="1">
+      <a:lvl1pPr algn="l" defTabSz="914400" rtl="0">
         <a:lnSpc>
           <a:spcPct val="90000"/>
         </a:lnSpc>
         <a:spcBef>
-          <a:spcPct val="0"/>
+          <a:spcPts val="0"/>
         </a:spcBef>
         <a:buNone/>
-        <a:defRPr sz="4400" kern="1200">
+        <a:defRPr sz="4400">
           <a:solidFill>
             <a:schemeClr val="tx1"/>
           </a:solidFill>
@@ -3142,16 +3692,16 @@
       </a:lvl1pPr>
     </p:titleStyle>
     <p:bodyStyle>
-      <a:lvl1pPr marL="228600" indent="-228600" algn="l" defTabSz="914400" rtl="0" eaLnBrk="1" latinLnBrk="0" hangingPunct="1">
+      <a:lvl1pPr marL="228600" indent="-228600" algn="l" defTabSz="914400" rtl="0">
         <a:lnSpc>
           <a:spcPct val="90000"/>
         </a:lnSpc>
         <a:spcBef>
           <a:spcPts val="1000"/>
         </a:spcBef>
-        <a:buFont typeface="Arial" panose="020B0604020202020204" pitchFamily="34" charset="0"/>
+        <a:buFont typeface="Arial"/>
         <a:buChar char="•"/>
-        <a:defRPr sz="2800" kern="1200">
+        <a:defRPr sz="2800">
           <a:solidFill>
             <a:schemeClr val="tx1"/>
           </a:solidFill>
@@ -3160,16 +3710,16 @@
           <a:cs typeface="+mn-cs"/>
         </a:defRPr>
       </a:lvl1pPr>
-      <a:lvl2pPr marL="685800" indent="-228600" algn="l" defTabSz="914400" rtl="0" eaLnBrk="1" latinLnBrk="0" hangingPunct="1">
+      <a:lvl2pPr marL="685800" indent="-228600" algn="l" defTabSz="914400" rtl="0">
         <a:lnSpc>
           <a:spcPct val="90000"/>
         </a:lnSpc>
         <a:spcBef>
           <a:spcPts val="500"/>
         </a:spcBef>
-        <a:buFont typeface="Arial" panose="020B0604020202020204" pitchFamily="34" charset="0"/>
+        <a:buFont typeface="Arial"/>
         <a:buChar char="•"/>
-        <a:defRPr sz="2400" kern="1200">
+        <a:defRPr sz="2400">
           <a:solidFill>
             <a:schemeClr val="tx1"/>
           </a:solidFill>
@@ -3178,16 +3728,16 @@
           <a:cs typeface="+mn-cs"/>
         </a:defRPr>
       </a:lvl2pPr>
-      <a:lvl3pPr marL="1143000" indent="-228600" algn="l" defTabSz="914400" rtl="0" eaLnBrk="1" latinLnBrk="0" hangingPunct="1">
+      <a:lvl3pPr marL="1143000" indent="-228600" algn="l" defTabSz="914400" rtl="0">
         <a:lnSpc>
           <a:spcPct val="90000"/>
         </a:lnSpc>
         <a:spcBef>
           <a:spcPts val="500"/>
         </a:spcBef>
-        <a:buFont typeface="Arial" panose="020B0604020202020204" pitchFamily="34" charset="0"/>
+        <a:buFont typeface="Arial"/>
         <a:buChar char="•"/>
-        <a:defRPr sz="2000" kern="1200">
+        <a:defRPr sz="2000">
           <a:solidFill>
             <a:schemeClr val="tx1"/>
           </a:solidFill>
@@ -3196,16 +3746,16 @@
           <a:cs typeface="+mn-cs"/>
         </a:defRPr>
       </a:lvl3pPr>
-      <a:lvl4pPr marL="1600200" indent="-228600" algn="l" defTabSz="914400" rtl="0" eaLnBrk="1" latinLnBrk="0" hangingPunct="1">
+      <a:lvl4pPr marL="1600200" indent="-228600" algn="l" defTabSz="914400" rtl="0">
         <a:lnSpc>
           <a:spcPct val="90000"/>
         </a:lnSpc>
         <a:spcBef>
           <a:spcPts val="500"/>
         </a:spcBef>
-        <a:buFont typeface="Arial" panose="020B0604020202020204" pitchFamily="34" charset="0"/>
+        <a:buFont typeface="Arial"/>
         <a:buChar char="•"/>
-        <a:defRPr sz="1800" kern="1200">
+        <a:defRPr sz="1800">
           <a:solidFill>
             <a:schemeClr val="tx1"/>
           </a:solidFill>
@@ -3214,16 +3764,16 @@
           <a:cs typeface="+mn-cs"/>
         </a:defRPr>
       </a:lvl4pPr>
-      <a:lvl5pPr marL="2057400" indent="-228600" algn="l" defTabSz="914400" rtl="0" eaLnBrk="1" latinLnBrk="0" hangingPunct="1">
+      <a:lvl5pPr marL="2057400" indent="-228600" algn="l" defTabSz="914400" rtl="0">
         <a:lnSpc>
           <a:spcPct val="90000"/>
         </a:lnSpc>
         <a:spcBef>
           <a:spcPts val="500"/>
         </a:spcBef>
-        <a:buFont typeface="Arial" panose="020B0604020202020204" pitchFamily="34" charset="0"/>
+        <a:buFont typeface="Arial"/>
         <a:buChar char="•"/>
-        <a:defRPr sz="1800" kern="1200">
+        <a:defRPr sz="1800">
           <a:solidFill>
             <a:schemeClr val="tx1"/>
           </a:solidFill>
@@ -3232,16 +3782,16 @@
           <a:cs typeface="+mn-cs"/>
         </a:defRPr>
       </a:lvl5pPr>
-      <a:lvl6pPr marL="2514600" indent="-228600" algn="l" defTabSz="914400" rtl="0" eaLnBrk="1" latinLnBrk="0" hangingPunct="1">
+      <a:lvl6pPr marL="2514600" indent="-228600" algn="l" defTabSz="914400" rtl="0">
         <a:lnSpc>
           <a:spcPct val="90000"/>
         </a:lnSpc>
         <a:spcBef>
           <a:spcPts val="500"/>
         </a:spcBef>
-        <a:buFont typeface="Arial" panose="020B0604020202020204" pitchFamily="34" charset="0"/>
+        <a:buFont typeface="Arial"/>
         <a:buChar char="•"/>
-        <a:defRPr sz="1800" kern="1200">
+        <a:defRPr sz="1800">
           <a:solidFill>
             <a:schemeClr val="tx1"/>
           </a:solidFill>
@@ -3250,16 +3800,16 @@
           <a:cs typeface="+mn-cs"/>
         </a:defRPr>
       </a:lvl6pPr>
-      <a:lvl7pPr marL="2971800" indent="-228600" algn="l" defTabSz="914400" rtl="0" eaLnBrk="1" latinLnBrk="0" hangingPunct="1">
+      <a:lvl7pPr marL="2971800" indent="-228600" algn="l" defTabSz="914400" rtl="0">
         <a:lnSpc>
           <a:spcPct val="90000"/>
         </a:lnSpc>
         <a:spcBef>
           <a:spcPts val="500"/>
         </a:spcBef>
-        <a:buFont typeface="Arial" panose="020B0604020202020204" pitchFamily="34" charset="0"/>
+        <a:buFont typeface="Arial"/>
         <a:buChar char="•"/>
-        <a:defRPr sz="1800" kern="1200">
+        <a:defRPr sz="1800">
           <a:solidFill>
             <a:schemeClr val="tx1"/>
           </a:solidFill>
@@ -3268,16 +3818,16 @@
           <a:cs typeface="+mn-cs"/>
         </a:defRPr>
       </a:lvl7pPr>
-      <a:lvl8pPr marL="3429000" indent="-228600" algn="l" defTabSz="914400" rtl="0" eaLnBrk="1" latinLnBrk="0" hangingPunct="1">
+      <a:lvl8pPr marL="3429000" indent="-228600" algn="l" defTabSz="914400" rtl="0">
         <a:lnSpc>
           <a:spcPct val="90000"/>
         </a:lnSpc>
         <a:spcBef>
           <a:spcPts val="500"/>
         </a:spcBef>
-        <a:buFont typeface="Arial" panose="020B0604020202020204" pitchFamily="34" charset="0"/>
+        <a:buFont typeface="Arial"/>
         <a:buChar char="•"/>
-        <a:defRPr sz="1800" kern="1200">
+        <a:defRPr sz="1800">
           <a:solidFill>
             <a:schemeClr val="tx1"/>
           </a:solidFill>
@@ -3286,16 +3836,16 @@
           <a:cs typeface="+mn-cs"/>
         </a:defRPr>
       </a:lvl8pPr>
-      <a:lvl9pPr marL="3886200" indent="-228600" algn="l" defTabSz="914400" rtl="0" eaLnBrk="1" latinLnBrk="0" hangingPunct="1">
+      <a:lvl9pPr marL="3886200" indent="-228600" algn="l" defTabSz="914400" rtl="0">
         <a:lnSpc>
           <a:spcPct val="90000"/>
         </a:lnSpc>
         <a:spcBef>
           <a:spcPts val="500"/>
         </a:spcBef>
-        <a:buFont typeface="Arial" panose="020B0604020202020204" pitchFamily="34" charset="0"/>
+        <a:buFont typeface="Arial"/>
         <a:buChar char="•"/>
-        <a:defRPr sz="1800" kern="1200">
+        <a:defRPr sz="1800">
           <a:solidFill>
             <a:schemeClr val="tx1"/>
           </a:solidFill>
@@ -3309,8 +3859,8 @@
       <a:defPPr>
         <a:defRPr lang="zh-CN"/>
       </a:defPPr>
-      <a:lvl1pPr marL="0" algn="l" defTabSz="914400" rtl="0" eaLnBrk="1" latinLnBrk="0" hangingPunct="1">
-        <a:defRPr sz="1800" kern="1200">
+      <a:lvl1pPr marL="0" algn="l" defTabSz="914400" rtl="0">
+        <a:defRPr sz="1800">
           <a:solidFill>
             <a:schemeClr val="tx1"/>
           </a:solidFill>
@@ -3319,8 +3869,8 @@
           <a:cs typeface="+mn-cs"/>
         </a:defRPr>
       </a:lvl1pPr>
-      <a:lvl2pPr marL="457200" algn="l" defTabSz="914400" rtl="0" eaLnBrk="1" latinLnBrk="0" hangingPunct="1">
-        <a:defRPr sz="1800" kern="1200">
+      <a:lvl2pPr marL="457200" algn="l" defTabSz="914400" rtl="0">
+        <a:defRPr sz="1800">
           <a:solidFill>
             <a:schemeClr val="tx1"/>
           </a:solidFill>
@@ -3329,8 +3879,8 @@
           <a:cs typeface="+mn-cs"/>
         </a:defRPr>
       </a:lvl2pPr>
-      <a:lvl3pPr marL="914400" algn="l" defTabSz="914400" rtl="0" eaLnBrk="1" latinLnBrk="0" hangingPunct="1">
-        <a:defRPr sz="1800" kern="1200">
+      <a:lvl3pPr marL="914400" algn="l" defTabSz="914400" rtl="0">
+        <a:defRPr sz="1800">
           <a:solidFill>
             <a:schemeClr val="tx1"/>
           </a:solidFill>
@@ -3339,8 +3889,8 @@
           <a:cs typeface="+mn-cs"/>
         </a:defRPr>
       </a:lvl3pPr>
-      <a:lvl4pPr marL="1371600" algn="l" defTabSz="914400" rtl="0" eaLnBrk="1" latinLnBrk="0" hangingPunct="1">
-        <a:defRPr sz="1800" kern="1200">
+      <a:lvl4pPr marL="1371600" algn="l" defTabSz="914400" rtl="0">
+        <a:defRPr sz="1800">
           <a:solidFill>
             <a:schemeClr val="tx1"/>
           </a:solidFill>
@@ -3349,8 +3899,8 @@
           <a:cs typeface="+mn-cs"/>
         </a:defRPr>
       </a:lvl4pPr>
-      <a:lvl5pPr marL="1828800" algn="l" defTabSz="914400" rtl="0" eaLnBrk="1" latinLnBrk="0" hangingPunct="1">
-        <a:defRPr sz="1800" kern="1200">
+      <a:lvl5pPr marL="1828800" algn="l" defTabSz="914400" rtl="0">
+        <a:defRPr sz="1800">
           <a:solidFill>
             <a:schemeClr val="tx1"/>
           </a:solidFill>
@@ -3359,8 +3909,8 @@
           <a:cs typeface="+mn-cs"/>
         </a:defRPr>
       </a:lvl5pPr>
-      <a:lvl6pPr marL="2286000" algn="l" defTabSz="914400" rtl="0" eaLnBrk="1" latinLnBrk="0" hangingPunct="1">
-        <a:defRPr sz="1800" kern="1200">
+      <a:lvl6pPr marL="2286000" algn="l" defTabSz="914400" rtl="0">
+        <a:defRPr sz="1800">
           <a:solidFill>
             <a:schemeClr val="tx1"/>
           </a:solidFill>
@@ -3369,8 +3919,8 @@
           <a:cs typeface="+mn-cs"/>
         </a:defRPr>
       </a:lvl6pPr>
-      <a:lvl7pPr marL="2743200" algn="l" defTabSz="914400" rtl="0" eaLnBrk="1" latinLnBrk="0" hangingPunct="1">
-        <a:defRPr sz="1800" kern="1200">
+      <a:lvl7pPr marL="2743200" algn="l" defTabSz="914400" rtl="0">
+        <a:defRPr sz="1800">
           <a:solidFill>
             <a:schemeClr val="tx1"/>
           </a:solidFill>
@@ -3379,8 +3929,8 @@
           <a:cs typeface="+mn-cs"/>
         </a:defRPr>
       </a:lvl7pPr>
-      <a:lvl8pPr marL="3200400" algn="l" defTabSz="914400" rtl="0" eaLnBrk="1" latinLnBrk="0" hangingPunct="1">
-        <a:defRPr sz="1800" kern="1200">
+      <a:lvl8pPr marL="3200400" algn="l" defTabSz="914400" rtl="0">
+        <a:defRPr sz="1800">
           <a:solidFill>
             <a:schemeClr val="tx1"/>
           </a:solidFill>
@@ -3389,8 +3939,8 @@
           <a:cs typeface="+mn-cs"/>
         </a:defRPr>
       </a:lvl8pPr>
-      <a:lvl9pPr marL="3657600" algn="l" defTabSz="914400" rtl="0" eaLnBrk="1" latinLnBrk="0" hangingPunct="1">
-        <a:defRPr sz="1800" kern="1200">
+      <a:lvl9pPr marL="3657600" algn="l" defTabSz="914400" rtl="0">
+        <a:defRPr sz="1800">
           <a:solidFill>
             <a:schemeClr val="tx1"/>
           </a:solidFill>
@@ -3405,15 +3955,15 @@
 </file>
 
 <file path=ppt/slides/slide1.xml><?xml version="1.0" encoding="utf-8"?>
-<p:sld xmlns:a="http://schemas.openxmlformats.org/drawingml/2006/main" xmlns:r="http://schemas.openxmlformats.org/officeDocument/2006/relationships" xmlns:p="http://schemas.openxmlformats.org/presentationml/2006/main">
-  <p:cSld>
+<p:sld xmlns:a="http://schemas.openxmlformats.org/drawingml/2006/main" xmlns:r="http://schemas.openxmlformats.org/officeDocument/2006/relationships" xmlns:p="http://schemas.openxmlformats.org/presentationml/2006/main" xmlns:m="http://schemas.openxmlformats.org/officeDocument/2006/math" xmlns:w="http://schemas.openxmlformats.org/wordprocessingml/2006/main" xmlns:mc="http://schemas.openxmlformats.org/markup-compatibility/2006" showMasterPhAnim="0" showMasterSp="1" show="1">
+  <p:cSld name="">
     <p:spTree>
       <p:nvGrpSpPr>
         <p:cNvPr id="1" name=""/>
         <p:cNvGrpSpPr/>
         <p:nvPr/>
       </p:nvGrpSpPr>
-      <p:grpSpPr>
+      <p:grpSpPr bwMode="auto">
         <a:xfrm>
           <a:off x="0" y="0"/>
           <a:ext cx="0" cy="0"/>
@@ -3423,7 +3973,7 @@
       </p:grpSpPr>
       <p:sp>
         <p:nvSpPr>
-          <p:cNvPr id="2" name="Title 1"/>
+          <p:cNvPr id="1206612760" name="Title 1"/>
           <p:cNvSpPr>
             <a:spLocks noGrp="1"/>
           </p:cNvSpPr>
@@ -3431,18 +3981,24 @@
             <p:ph type="ctrTitle"/>
           </p:nvPr>
         </p:nvSpPr>
-        <p:spPr/>
-        <p:txBody>
-          <a:bodyPr/>
-          <a:lstStyle/>
-          <a:p>
-            <a:endParaRPr lang="zh-CN" dirty="0"/>
-          </a:p>
-        </p:txBody>
-      </p:sp>
-      <p:sp>
-        <p:nvSpPr>
-          <p:cNvPr id="3" name="Subtitle 2"/>
+        <p:spPr bwMode="auto"/>
+        <p:txBody>
+          <a:bodyPr/>
+          <a:lstStyle/>
+          <a:p>
+            <a:pPr>
+              <a:defRPr/>
+            </a:pPr>
+            <a:endParaRPr>
+              <a:latin typeface="MiSans"/>
+              <a:cs typeface="MiSans"/>
+            </a:endParaRPr>
+          </a:p>
+        </p:txBody>
+      </p:sp>
+      <p:sp>
+        <p:nvSpPr>
+          <p:cNvPr id="37649361" name="Subtitle 2"/>
           <p:cNvSpPr>
             <a:spLocks noGrp="1"/>
           </p:cNvSpPr>
@@ -3450,30 +4006,39 @@
             <p:ph type="subTitle" idx="1"/>
           </p:nvPr>
         </p:nvSpPr>
-        <p:spPr/>
-        <p:txBody>
-          <a:bodyPr/>
-          <a:lstStyle/>
-          <a:p>
-            <a:endParaRPr lang="zh-CN" dirty="0"/>
+        <p:spPr bwMode="auto"/>
+        <p:txBody>
+          <a:bodyPr/>
+          <a:lstStyle/>
+          <a:p>
+            <a:pPr>
+              <a:defRPr/>
+            </a:pPr>
+            <a:endParaRPr>
+              <a:latin typeface="MiSans"/>
+              <a:cs typeface="MiSans"/>
+            </a:endParaRPr>
           </a:p>
         </p:txBody>
       </p:sp>
     </p:spTree>
-    <p:extLst>
-      <p:ext uri="{BB962C8B-B14F-4D97-AF65-F5344CB8AC3E}">
-        <p14:creationId xmlns:p14="http://schemas.microsoft.com/office/powerpoint/2010/main" val="2426011969"/>
-      </p:ext>
-    </p:extLst>
   </p:cSld>
   <p:clrMapOvr>
     <a:masterClrMapping/>
   </p:clrMapOvr>
+  <mc:AlternateContent xmlns:mc="http://schemas.openxmlformats.org/markup-compatibility/2006">
+    <mc:Choice xmlns:p159="http://schemas.microsoft.com/office/powerpoint/2015/09/main" xmlns:p14="http://schemas.microsoft.com/office/powerpoint/2010/main" Requires="p159">
+      <p:transition p14:dur="2000" advClick="1"/>
+    </mc:Choice>
+    <mc:Fallback>
+      <p:transition advClick="1"/>
+    </mc:Fallback>
+  </mc:AlternateContent>
 </p:sld>
 </file>
 
 <file path=ppt/theme/theme1.xml><?xml version="1.0" encoding="utf-8"?>
-<a:theme xmlns:a="http://schemas.openxmlformats.org/drawingml/2006/main" name="Office Theme">
+<a:theme xmlns:a="http://schemas.openxmlformats.org/drawingml/2006/main" xmlns:r="http://schemas.openxmlformats.org/officeDocument/2006/relationships" xmlns:p="http://schemas.openxmlformats.org/presentationml/2006/main" name="Office Theme">
   <a:themeElements>
     <a:clrScheme name="New Office">
       <a:dk1>
@@ -3515,74 +4080,14 @@
     </a:clrScheme>
     <a:fontScheme name="Office Theme">
       <a:majorFont>
-        <a:latin typeface="Arial" panose="020F0302020204030204"/>
-        <a:ea typeface=""/>
-        <a:cs typeface=""/>
-        <a:font script="Jpan" typeface="ＭＳ Ｐゴシック"/>
-        <a:font script="Hang" typeface="맑은 고딕"/>
-        <a:font script="Hans" typeface="宋体"/>
-        <a:font script="Hant" typeface="新細明體"/>
-        <a:font script="Arab" typeface="Times New Roman"/>
-        <a:font script="Hebr" typeface="Times New Roman"/>
-        <a:font script="Thai" typeface="Angsana New"/>
-        <a:font script="Ethi" typeface="Nyala"/>
-        <a:font script="Beng" typeface="Vrinda"/>
-        <a:font script="Gujr" typeface="Shruti"/>
-        <a:font script="Khmr" typeface="MoolBoran"/>
-        <a:font script="Knda" typeface="Tunga"/>
-        <a:font script="Guru" typeface="Raavi"/>
-        <a:font script="Cans" typeface="Euphemia"/>
-        <a:font script="Cher" typeface="Plantagenet Cherokee"/>
-        <a:font script="Yiii" typeface="Microsoft Yi Baiti"/>
-        <a:font script="Tibt" typeface="Microsoft Himalaya"/>
-        <a:font script="Thaa" typeface="MV Boli"/>
-        <a:font script="Deva" typeface="Mangal"/>
-        <a:font script="Telu" typeface="Gautami"/>
-        <a:font script="Taml" typeface="Latha"/>
-        <a:font script="Syrc" typeface="Estrangelo Edessa"/>
-        <a:font script="Orya" typeface="Kalinga"/>
-        <a:font script="Mlym" typeface="Kartika"/>
-        <a:font script="Laoo" typeface="DokChampa"/>
-        <a:font script="Sinh" typeface="Iskoola Pota"/>
-        <a:font script="Mong" typeface="Mongolian Baiti"/>
-        <a:font script="Viet" typeface="Times New Roman"/>
-        <a:font script="Uigh" typeface="Microsoft Uighur"/>
-        <a:font script="Geor" typeface="Sylfaen"/>
+        <a:latin typeface="Arial"/>
+        <a:ea typeface="Arial"/>
+        <a:cs typeface="Arial"/>
       </a:majorFont>
       <a:minorFont>
-        <a:latin typeface="Arial" panose="020F0502020204030204"/>
-        <a:ea typeface=""/>
-        <a:cs typeface=""/>
-        <a:font script="Jpan" typeface="ＭＳ Ｐゴシック"/>
-        <a:font script="Hang" typeface="맑은 고딕"/>
-        <a:font script="Hans" typeface="宋体"/>
-        <a:font script="Hant" typeface="新細明體"/>
-        <a:font script="Arab" typeface="Arial"/>
-        <a:font script="Hebr" typeface="Arial"/>
-        <a:font script="Thai" typeface="Cordia New"/>
-        <a:font script="Ethi" typeface="Nyala"/>
-        <a:font script="Beng" typeface="Vrinda"/>
-        <a:font script="Gujr" typeface="Shruti"/>
-        <a:font script="Khmr" typeface="DaunPenh"/>
-        <a:font script="Knda" typeface="Tunga"/>
-        <a:font script="Guru" typeface="Raavi"/>
-        <a:font script="Cans" typeface="Euphemia"/>
-        <a:font script="Cher" typeface="Plantagenet Cherokee"/>
-        <a:font script="Yiii" typeface="Microsoft Yi Baiti"/>
-        <a:font script="Tibt" typeface="Microsoft Himalaya"/>
-        <a:font script="Thaa" typeface="MV Boli"/>
-        <a:font script="Deva" typeface="Mangal"/>
-        <a:font script="Telu" typeface="Gautami"/>
-        <a:font script="Taml" typeface="Latha"/>
-        <a:font script="Syrc" typeface="Estrangelo Edessa"/>
-        <a:font script="Orya" typeface="Kalinga"/>
-        <a:font script="Mlym" typeface="Kartika"/>
-        <a:font script="Laoo" typeface="DokChampa"/>
-        <a:font script="Sinh" typeface="Iskoola Pota"/>
-        <a:font script="Mong" typeface="Mongolian Baiti"/>
-        <a:font script="Viet" typeface="Arial"/>
-        <a:font script="Uigh" typeface="Microsoft Uighur"/>
-        <a:font script="Geor" typeface="Sylfaen"/>
+        <a:latin typeface="Arial"/>
+        <a:ea typeface="Arial"/>
+        <a:cs typeface="Arial"/>
       </a:minorFont>
     </a:fontScheme>
     <a:fmtScheme name="Office Theme">
@@ -3590,7 +4095,7 @@
         <a:solidFill>
           <a:schemeClr val="phClr"/>
         </a:solidFill>
-        <a:gradFill rotWithShape="1">
+        <a:gradFill>
           <a:gsLst>
             <a:gs pos="0">
               <a:schemeClr val="phClr">
@@ -3616,7 +4121,7 @@
           </a:gsLst>
           <a:lin ang="5400000" scaled="0"/>
         </a:gradFill>
-        <a:gradFill rotWithShape="1">
+        <a:gradFill>
           <a:gsLst>
             <a:gs pos="0">
               <a:schemeClr val="phClr">
@@ -3693,7 +4198,7 @@
             <a:satMod val="170000"/>
           </a:schemeClr>
         </a:solidFill>
-        <a:gradFill rotWithShape="1">
+        <a:gradFill>
           <a:gsLst>
             <a:gs pos="0">
               <a:schemeClr val="phClr">
@@ -3724,17 +4229,11 @@
     </a:fmtScheme>
   </a:themeElements>
   <a:objectDefaults/>
-  <a:extraClrSchemeLst/>
-  <a:extLst>
-    <a:ext uri="{05A4C25C-085E-4340-85A3-A5531E510DB2}">
-      <thm15:themeFamily xmlns:thm15="http://schemas.microsoft.com/office/thememl/2012/main" name="Office Theme" id="{62F939B6-93AF-4DB8-9C6B-D6C7DFDC589F}" vid="{4A3C46E8-61CC-4603-A589-7422A47A8E4A}"/>
-    </a:ext>
-  </a:extLst>
 </a:theme>
 </file>
 
 <file path=ppt/theme/theme2.xml><?xml version="1.0" encoding="utf-8"?>
-<a:theme xmlns:a="http://schemas.openxmlformats.org/drawingml/2006/main" name="Office Theme">
+<a:theme xmlns:a="http://schemas.openxmlformats.org/drawingml/2006/main" xmlns:r="http://schemas.openxmlformats.org/officeDocument/2006/relationships" xmlns:p="http://schemas.openxmlformats.org/presentationml/2006/main" name="Office Theme">
   <a:themeElements>
     <a:clrScheme name="Office">
       <a:dk1>
@@ -3776,74 +4275,14 @@
     </a:clrScheme>
     <a:fontScheme name="Arial">
       <a:majorFont>
-        <a:latin typeface="Arial" panose="020B0604020202020204"/>
-        <a:ea typeface=""/>
-        <a:cs typeface=""/>
-        <a:font script="Jpan" typeface="ＭＳ ゴシック"/>
-        <a:font script="Hang" typeface="맑은 고딕"/>
-        <a:font script="Hans" typeface="宋体"/>
-        <a:font script="Hant" typeface="新細明體"/>
-        <a:font script="Arab" typeface="Tahoma"/>
-        <a:font script="Hebr" typeface="Gisha"/>
-        <a:font script="Thai" typeface="DilleniaUPC"/>
-        <a:font script="Ethi" typeface="Nyala"/>
-        <a:font script="Beng" typeface="Vrinda"/>
-        <a:font script="Gujr" typeface="Shruti"/>
-        <a:font script="Khmr" typeface="DaunPenh"/>
-        <a:font script="Knda" typeface="Tunga"/>
-        <a:font script="Guru" typeface="Raavi"/>
-        <a:font script="Cans" typeface="Euphemia"/>
-        <a:font script="Cher" typeface="Plantagenet Cherokee"/>
-        <a:font script="Yiii" typeface="Microsoft Yi Baiti"/>
-        <a:font script="Tibt" typeface="Microsoft Himalaya"/>
-        <a:font script="Thaa" typeface="MV Boli"/>
-        <a:font script="Deva" typeface="Mangal"/>
-        <a:font script="Telu" typeface="Gautami"/>
-        <a:font script="Taml" typeface="Latha"/>
-        <a:font script="Syrc" typeface="Estrangelo Edessa"/>
-        <a:font script="Orya" typeface="Kalinga"/>
-        <a:font script="Mlym" typeface="Kartika"/>
-        <a:font script="Laoo" typeface="DokChampa"/>
-        <a:font script="Sinh" typeface="Iskoola Pota"/>
-        <a:font script="Mong" typeface="Mongolian Baiti"/>
-        <a:font script="Viet" typeface="Tahoma"/>
-        <a:font script="Uigh" typeface="Microsoft Uighur"/>
-        <a:font script="Geor" typeface="Sylfaen"/>
+        <a:latin typeface="Arial"/>
+        <a:ea typeface="Arial"/>
+        <a:cs typeface="Arial"/>
       </a:majorFont>
       <a:minorFont>
-        <a:latin typeface="Arial" panose="020B0604020202020204"/>
-        <a:ea typeface=""/>
-        <a:cs typeface=""/>
-        <a:font script="Jpan" typeface="ＭＳ ゴシック"/>
-        <a:font script="Hang" typeface="맑은 고딕"/>
-        <a:font script="Hans" typeface="宋体"/>
-        <a:font script="Hant" typeface="新細明體"/>
-        <a:font script="Arab" typeface="Tahoma"/>
-        <a:font script="Hebr" typeface="Gisha"/>
-        <a:font script="Thai" typeface="DilleniaUPC"/>
-        <a:font script="Ethi" typeface="Nyala"/>
-        <a:font script="Beng" typeface="Vrinda"/>
-        <a:font script="Gujr" typeface="Shruti"/>
-        <a:font script="Khmr" typeface="DaunPenh"/>
-        <a:font script="Knda" typeface="Tunga"/>
-        <a:font script="Guru" typeface="Raavi"/>
-        <a:font script="Cans" typeface="Euphemia"/>
-        <a:font script="Cher" typeface="Plantagenet Cherokee"/>
-        <a:font script="Yiii" typeface="Microsoft Yi Baiti"/>
-        <a:font script="Tibt" typeface="Microsoft Himalaya"/>
-        <a:font script="Thaa" typeface="MV Boli"/>
-        <a:font script="Deva" typeface="Mangal"/>
-        <a:font script="Telu" typeface="Gautami"/>
-        <a:font script="Taml" typeface="Latha"/>
-        <a:font script="Syrc" typeface="Estrangelo Edessa"/>
-        <a:font script="Orya" typeface="Kalinga"/>
-        <a:font script="Mlym" typeface="Kartika"/>
-        <a:font script="Laoo" typeface="DokChampa"/>
-        <a:font script="Sinh" typeface="Iskoola Pota"/>
-        <a:font script="Mong" typeface="Mongolian Baiti"/>
-        <a:font script="Viet" typeface="Verdana"/>
-        <a:font script="Uigh" typeface="Microsoft Uighur"/>
-        <a:font script="Geor" typeface="Sylfaen"/>
+        <a:latin typeface="Arial"/>
+        <a:ea typeface="Arial"/>
+        <a:cs typeface="Arial"/>
       </a:minorFont>
     </a:fontScheme>
     <a:fmtScheme name="Office">
@@ -3851,7 +4290,7 @@
         <a:solidFill>
           <a:schemeClr val="phClr"/>
         </a:solidFill>
-        <a:gradFill rotWithShape="1">
+        <a:gradFill>
           <a:gsLst>
             <a:gs pos="0">
               <a:schemeClr val="phClr">
@@ -3877,7 +4316,7 @@
           </a:gsLst>
           <a:lin ang="5400000" scaled="0"/>
         </a:gradFill>
-        <a:gradFill rotWithShape="1">
+        <a:gradFill>
           <a:gsLst>
             <a:gs pos="0">
               <a:schemeClr val="phClr">
@@ -3954,7 +4393,7 @@
             <a:satMod val="170000"/>
           </a:schemeClr>
         </a:solidFill>
-        <a:gradFill rotWithShape="1">
+        <a:gradFill>
           <a:gsLst>
             <a:gs pos="0">
               <a:schemeClr val="phClr">
@@ -3985,11 +4424,5 @@
     </a:fmtScheme>
   </a:themeElements>
   <a:objectDefaults/>
-  <a:extraClrSchemeLst/>
-  <a:extLst>
-    <a:ext uri="{05A4C25C-085E-4340-85A3-A5531E510DB2}">
-      <thm15:themeFamily xmlns:thm15="http://schemas.microsoft.com/office/thememl/2012/main" name="Office Theme" id="{62F939B6-93AF-4DB8-9C6B-D6C7DFDC589F}" vid="{4A3C46E8-61CC-4603-A589-7422A47A8E4A}"/>
-    </a:ext>
-  </a:extLst>
 </a:theme>
 </file>